--- a/PPTX/Chapter_6_PINNs.pptx
+++ b/PPTX/Chapter_6_PINNs.pptx
@@ -2,7 +2,7 @@
 <file path=ppt/presentation.xml><?xml version="1.0" encoding="utf-8"?>
 <p:presentation xmlns:a="http://schemas.openxmlformats.org/drawingml/2006/main" xmlns:r="http://schemas.openxmlformats.org/officeDocument/2006/relationships" xmlns:p="http://schemas.openxmlformats.org/presentationml/2006/main" saveSubsetFonts="1" autoCompressPictures="0">
   <p:sldMasterIdLst>
-    <p:sldMasterId id="2147483650" r:id="rId1"/>
+    <p:sldMasterId id="2147483648" r:id="rId1"/>
   </p:sldMasterIdLst>
   <p:notesMasterIdLst>
     <p:notesMasterId r:id="rId17"/>
@@ -1512,8 +1512,13 @@
 </file>
 
 <file path=ppt/slideLayouts/slideLayout1.xml><?xml version="1.0" encoding="utf-8"?>
-<p:sldLayout xmlns:a="http://schemas.openxmlformats.org/drawingml/2006/main" xmlns:r="http://schemas.openxmlformats.org/officeDocument/2006/relationships" xmlns:p="http://schemas.openxmlformats.org/presentationml/2006/main" type="title" preserve="1">
-  <p:cSld name="Title Slide">
+<p:sldLayout xmlns:a="http://schemas.openxmlformats.org/drawingml/2006/main" xmlns:r="http://schemas.openxmlformats.org/officeDocument/2006/relationships" xmlns:p="http://schemas.openxmlformats.org/presentationml/2006/main" preserve="1">
+  <p:cSld name="DEFAULT">
+    <p:bg>
+      <p:bgRef idx="1001">
+        <a:schemeClr val="bg1"/>
+      </p:bgRef>
+    </p:bg>
     <p:spTree>
       <p:nvGrpSpPr>
         <p:cNvPr id="1" name=""/>
@@ -1528,2644 +1533,7 @@
           <a:chExt cx="0" cy="0"/>
         </a:xfrm>
       </p:grpSpPr>
-      <p:sp>
-        <p:nvSpPr>
-          <p:cNvPr id="2" name="Title 1">
-            <a:extLst>
-              <a:ext uri="{FF2B5EF4-FFF2-40B4-BE49-F238E27FC236}">
-                <a16:creationId xmlns:a16="http://schemas.microsoft.com/office/drawing/2014/main" id="{D597919F-85A1-90AB-D3C1-5AC3AD3B6F94}"/>
-              </a:ext>
-            </a:extLst>
-          </p:cNvPr>
-          <p:cNvSpPr>
-            <a:spLocks noGrp="1"/>
-          </p:cNvSpPr>
-          <p:nvPr>
-            <p:ph type="ctrTitle"/>
-          </p:nvPr>
-        </p:nvSpPr>
-        <p:spPr>
-          <a:xfrm>
-            <a:off x="1143000" y="841375"/>
-            <a:ext cx="6858000" cy="1790700"/>
-          </a:xfrm>
-        </p:spPr>
-        <p:txBody>
-          <a:bodyPr anchor="b"/>
-          <a:lstStyle>
-            <a:lvl1pPr algn="ctr">
-              <a:defRPr sz="6000"/>
-            </a:lvl1pPr>
-          </a:lstStyle>
-          <a:p>
-            <a:r>
-              <a:rPr lang="en-US"/>
-              <a:t>Click to edit Master title style</a:t>
-            </a:r>
-          </a:p>
-        </p:txBody>
-      </p:sp>
-      <p:sp>
-        <p:nvSpPr>
-          <p:cNvPr id="3" name="Subtitle 2">
-            <a:extLst>
-              <a:ext uri="{FF2B5EF4-FFF2-40B4-BE49-F238E27FC236}">
-                <a16:creationId xmlns:a16="http://schemas.microsoft.com/office/drawing/2014/main" id="{5847A712-7792-D25D-D683-20F3601D6599}"/>
-              </a:ext>
-            </a:extLst>
-          </p:cNvPr>
-          <p:cNvSpPr>
-            <a:spLocks noGrp="1"/>
-          </p:cNvSpPr>
-          <p:nvPr>
-            <p:ph type="subTitle" idx="1"/>
-          </p:nvPr>
-        </p:nvSpPr>
-        <p:spPr>
-          <a:xfrm>
-            <a:off x="1143000" y="2701925"/>
-            <a:ext cx="6858000" cy="1241425"/>
-          </a:xfrm>
-        </p:spPr>
-        <p:txBody>
-          <a:bodyPr/>
-          <a:lstStyle>
-            <a:lvl1pPr marL="0" indent="0" algn="ctr">
-              <a:buNone/>
-              <a:defRPr sz="2400"/>
-            </a:lvl1pPr>
-            <a:lvl2pPr marL="457200" indent="0" algn="ctr">
-              <a:buNone/>
-              <a:defRPr sz="2000"/>
-            </a:lvl2pPr>
-            <a:lvl3pPr marL="914400" indent="0" algn="ctr">
-              <a:buNone/>
-              <a:defRPr sz="1800"/>
-            </a:lvl3pPr>
-            <a:lvl4pPr marL="1371600" indent="0" algn="ctr">
-              <a:buNone/>
-              <a:defRPr sz="1600"/>
-            </a:lvl4pPr>
-            <a:lvl5pPr marL="1828800" indent="0" algn="ctr">
-              <a:buNone/>
-              <a:defRPr sz="1600"/>
-            </a:lvl5pPr>
-            <a:lvl6pPr marL="2286000" indent="0" algn="ctr">
-              <a:buNone/>
-              <a:defRPr sz="1600"/>
-            </a:lvl6pPr>
-            <a:lvl7pPr marL="2743200" indent="0" algn="ctr">
-              <a:buNone/>
-              <a:defRPr sz="1600"/>
-            </a:lvl7pPr>
-            <a:lvl8pPr marL="3200400" indent="0" algn="ctr">
-              <a:buNone/>
-              <a:defRPr sz="1600"/>
-            </a:lvl8pPr>
-            <a:lvl9pPr marL="3657600" indent="0" algn="ctr">
-              <a:buNone/>
-              <a:defRPr sz="1600"/>
-            </a:lvl9pPr>
-          </a:lstStyle>
-          <a:p>
-            <a:r>
-              <a:rPr lang="en-US"/>
-              <a:t>Click to edit Master subtitle style</a:t>
-            </a:r>
-          </a:p>
-        </p:txBody>
-      </p:sp>
-      <p:sp>
-        <p:nvSpPr>
-          <p:cNvPr id="4" name="Date Placeholder 3">
-            <a:extLst>
-              <a:ext uri="{FF2B5EF4-FFF2-40B4-BE49-F238E27FC236}">
-                <a16:creationId xmlns:a16="http://schemas.microsoft.com/office/drawing/2014/main" id="{A3E9C676-A371-43F6-EB77-07BBCB681CBB}"/>
-              </a:ext>
-            </a:extLst>
-          </p:cNvPr>
-          <p:cNvSpPr>
-            <a:spLocks noGrp="1"/>
-          </p:cNvSpPr>
-          <p:nvPr>
-            <p:ph type="dt" sz="half" idx="10"/>
-          </p:nvPr>
-        </p:nvSpPr>
-        <p:spPr/>
-        <p:txBody>
-          <a:bodyPr/>
-          <a:lstStyle/>
-          <a:p>
-            <a:fld id="{2772D22E-8F77-FF48-9F1D-38CA6609089B}" type="datetime1">
-              <a:rPr lang="en-US" smtClean="0"/>
-              <a:t>1/8/26</a:t>
-            </a:fld>
-            <a:endParaRPr lang="en-US"/>
-          </a:p>
-        </p:txBody>
-      </p:sp>
-      <p:sp>
-        <p:nvSpPr>
-          <p:cNvPr id="5" name="Footer Placeholder 4">
-            <a:extLst>
-              <a:ext uri="{FF2B5EF4-FFF2-40B4-BE49-F238E27FC236}">
-                <a16:creationId xmlns:a16="http://schemas.microsoft.com/office/drawing/2014/main" id="{DF9A3818-B7B7-187E-432D-93F54FDE4DEE}"/>
-              </a:ext>
-            </a:extLst>
-          </p:cNvPr>
-          <p:cNvSpPr>
-            <a:spLocks noGrp="1"/>
-          </p:cNvSpPr>
-          <p:nvPr>
-            <p:ph type="ftr" sz="quarter" idx="11"/>
-          </p:nvPr>
-        </p:nvSpPr>
-        <p:spPr/>
-        <p:txBody>
-          <a:bodyPr/>
-          <a:lstStyle/>
-          <a:p>
-            <a:r>
-              <a:rPr lang="en-US"/>
-              <a:t>(J. Paul Liu, 2026. Generative AI For Science. Leanpub)</a:t>
-            </a:r>
-          </a:p>
-        </p:txBody>
-      </p:sp>
-      <p:sp>
-        <p:nvSpPr>
-          <p:cNvPr id="6" name="Slide Number Placeholder 5">
-            <a:extLst>
-              <a:ext uri="{FF2B5EF4-FFF2-40B4-BE49-F238E27FC236}">
-                <a16:creationId xmlns:a16="http://schemas.microsoft.com/office/drawing/2014/main" id="{300B9E38-A447-AD12-47BB-15F6DF6D1E15}"/>
-              </a:ext>
-            </a:extLst>
-          </p:cNvPr>
-          <p:cNvSpPr>
-            <a:spLocks noGrp="1"/>
-          </p:cNvSpPr>
-          <p:nvPr>
-            <p:ph type="sldNum" sz="quarter" idx="12"/>
-          </p:nvPr>
-        </p:nvSpPr>
-        <p:spPr/>
-        <p:txBody>
-          <a:bodyPr/>
-          <a:lstStyle/>
-          <a:p>
-            <a:fld id="{A4ECEFEC-E005-0549-9CD2-27F3B82BD618}" type="slidenum">
-              <a:rPr lang="en-US" smtClean="0"/>
-              <a:t>‹#›</a:t>
-            </a:fld>
-            <a:endParaRPr lang="en-US"/>
-          </a:p>
-        </p:txBody>
-      </p:sp>
     </p:spTree>
-    <p:extLst>
-      <p:ext uri="{BB962C8B-B14F-4D97-AF65-F5344CB8AC3E}">
-        <p14:creationId xmlns:p14="http://schemas.microsoft.com/office/powerpoint/2010/main" val="1632411326"/>
-      </p:ext>
-    </p:extLst>
-  </p:cSld>
-  <p:clrMapOvr>
-    <a:masterClrMapping/>
-  </p:clrMapOvr>
-</p:sldLayout>
-</file>
-
-<file path=ppt/slideLayouts/slideLayout10.xml><?xml version="1.0" encoding="utf-8"?>
-<p:sldLayout xmlns:a="http://schemas.openxmlformats.org/drawingml/2006/main" xmlns:r="http://schemas.openxmlformats.org/officeDocument/2006/relationships" xmlns:p="http://schemas.openxmlformats.org/presentationml/2006/main" type="vertTx" preserve="1">
-  <p:cSld name="Title and Vertical Text">
-    <p:spTree>
-      <p:nvGrpSpPr>
-        <p:cNvPr id="1" name=""/>
-        <p:cNvGrpSpPr/>
-        <p:nvPr/>
-      </p:nvGrpSpPr>
-      <p:grpSpPr>
-        <a:xfrm>
-          <a:off x="0" y="0"/>
-          <a:ext cx="0" cy="0"/>
-          <a:chOff x="0" y="0"/>
-          <a:chExt cx="0" cy="0"/>
-        </a:xfrm>
-      </p:grpSpPr>
-      <p:sp>
-        <p:nvSpPr>
-          <p:cNvPr id="2" name="Title 1">
-            <a:extLst>
-              <a:ext uri="{FF2B5EF4-FFF2-40B4-BE49-F238E27FC236}">
-                <a16:creationId xmlns:a16="http://schemas.microsoft.com/office/drawing/2014/main" id="{A7685240-B58A-00EB-C1EB-C855588A496C}"/>
-              </a:ext>
-            </a:extLst>
-          </p:cNvPr>
-          <p:cNvSpPr>
-            <a:spLocks noGrp="1"/>
-          </p:cNvSpPr>
-          <p:nvPr>
-            <p:ph type="title"/>
-          </p:nvPr>
-        </p:nvSpPr>
-        <p:spPr/>
-        <p:txBody>
-          <a:bodyPr/>
-          <a:lstStyle/>
-          <a:p>
-            <a:r>
-              <a:rPr lang="en-US"/>
-              <a:t>Click to edit Master title style</a:t>
-            </a:r>
-          </a:p>
-        </p:txBody>
-      </p:sp>
-      <p:sp>
-        <p:nvSpPr>
-          <p:cNvPr id="3" name="Vertical Text Placeholder 2">
-            <a:extLst>
-              <a:ext uri="{FF2B5EF4-FFF2-40B4-BE49-F238E27FC236}">
-                <a16:creationId xmlns:a16="http://schemas.microsoft.com/office/drawing/2014/main" id="{05FA6B3B-7780-5181-AA4F-ACE6888FAE41}"/>
-              </a:ext>
-            </a:extLst>
-          </p:cNvPr>
-          <p:cNvSpPr>
-            <a:spLocks noGrp="1"/>
-          </p:cNvSpPr>
-          <p:nvPr>
-            <p:ph type="body" orient="vert" idx="1"/>
-          </p:nvPr>
-        </p:nvSpPr>
-        <p:spPr/>
-        <p:txBody>
-          <a:bodyPr vert="eaVert"/>
-          <a:lstStyle/>
-          <a:p>
-            <a:pPr lvl="0"/>
-            <a:r>
-              <a:rPr lang="en-US"/>
-              <a:t>Click to edit Master text styles</a:t>
-            </a:r>
-          </a:p>
-          <a:p>
-            <a:pPr lvl="1"/>
-            <a:r>
-              <a:rPr lang="en-US"/>
-              <a:t>Second level</a:t>
-            </a:r>
-          </a:p>
-          <a:p>
-            <a:pPr lvl="2"/>
-            <a:r>
-              <a:rPr lang="en-US"/>
-              <a:t>Third level</a:t>
-            </a:r>
-          </a:p>
-          <a:p>
-            <a:pPr lvl="3"/>
-            <a:r>
-              <a:rPr lang="en-US"/>
-              <a:t>Fourth level</a:t>
-            </a:r>
-          </a:p>
-          <a:p>
-            <a:pPr lvl="4"/>
-            <a:r>
-              <a:rPr lang="en-US"/>
-              <a:t>Fifth level</a:t>
-            </a:r>
-          </a:p>
-        </p:txBody>
-      </p:sp>
-      <p:sp>
-        <p:nvSpPr>
-          <p:cNvPr id="4" name="Date Placeholder 3">
-            <a:extLst>
-              <a:ext uri="{FF2B5EF4-FFF2-40B4-BE49-F238E27FC236}">
-                <a16:creationId xmlns:a16="http://schemas.microsoft.com/office/drawing/2014/main" id="{DA5598A8-DADB-74AF-2F0A-BD0EB34F00F8}"/>
-              </a:ext>
-            </a:extLst>
-          </p:cNvPr>
-          <p:cNvSpPr>
-            <a:spLocks noGrp="1"/>
-          </p:cNvSpPr>
-          <p:nvPr>
-            <p:ph type="dt" sz="half" idx="10"/>
-          </p:nvPr>
-        </p:nvSpPr>
-        <p:spPr/>
-        <p:txBody>
-          <a:bodyPr/>
-          <a:lstStyle/>
-          <a:p>
-            <a:fld id="{2F41A9A3-5F7F-2F44-AFD6-49BF7142143B}" type="datetime1">
-              <a:rPr lang="en-US" smtClean="0"/>
-              <a:t>1/8/26</a:t>
-            </a:fld>
-            <a:endParaRPr lang="en-US"/>
-          </a:p>
-        </p:txBody>
-      </p:sp>
-      <p:sp>
-        <p:nvSpPr>
-          <p:cNvPr id="5" name="Footer Placeholder 4">
-            <a:extLst>
-              <a:ext uri="{FF2B5EF4-FFF2-40B4-BE49-F238E27FC236}">
-                <a16:creationId xmlns:a16="http://schemas.microsoft.com/office/drawing/2014/main" id="{784418FB-0B31-119E-AB4B-8A01E1C4DA97}"/>
-              </a:ext>
-            </a:extLst>
-          </p:cNvPr>
-          <p:cNvSpPr>
-            <a:spLocks noGrp="1"/>
-          </p:cNvSpPr>
-          <p:nvPr>
-            <p:ph type="ftr" sz="quarter" idx="11"/>
-          </p:nvPr>
-        </p:nvSpPr>
-        <p:spPr/>
-        <p:txBody>
-          <a:bodyPr/>
-          <a:lstStyle/>
-          <a:p>
-            <a:r>
-              <a:rPr lang="en-US"/>
-              <a:t>(J. Paul Liu, 2026. Generative AI For Science. Leanpub)</a:t>
-            </a:r>
-          </a:p>
-        </p:txBody>
-      </p:sp>
-      <p:sp>
-        <p:nvSpPr>
-          <p:cNvPr id="6" name="Slide Number Placeholder 5">
-            <a:extLst>
-              <a:ext uri="{FF2B5EF4-FFF2-40B4-BE49-F238E27FC236}">
-                <a16:creationId xmlns:a16="http://schemas.microsoft.com/office/drawing/2014/main" id="{50ABAD02-4706-3FE7-8837-8331172B7841}"/>
-              </a:ext>
-            </a:extLst>
-          </p:cNvPr>
-          <p:cNvSpPr>
-            <a:spLocks noGrp="1"/>
-          </p:cNvSpPr>
-          <p:nvPr>
-            <p:ph type="sldNum" sz="quarter" idx="12"/>
-          </p:nvPr>
-        </p:nvSpPr>
-        <p:spPr/>
-        <p:txBody>
-          <a:bodyPr/>
-          <a:lstStyle/>
-          <a:p>
-            <a:fld id="{A4ECEFEC-E005-0549-9CD2-27F3B82BD618}" type="slidenum">
-              <a:rPr lang="en-US" smtClean="0"/>
-              <a:t>‹#›</a:t>
-            </a:fld>
-            <a:endParaRPr lang="en-US"/>
-          </a:p>
-        </p:txBody>
-      </p:sp>
-    </p:spTree>
-    <p:extLst>
-      <p:ext uri="{BB962C8B-B14F-4D97-AF65-F5344CB8AC3E}">
-        <p14:creationId xmlns:p14="http://schemas.microsoft.com/office/powerpoint/2010/main" val="2553572210"/>
-      </p:ext>
-    </p:extLst>
-  </p:cSld>
-  <p:clrMapOvr>
-    <a:masterClrMapping/>
-  </p:clrMapOvr>
-</p:sldLayout>
-</file>
-
-<file path=ppt/slideLayouts/slideLayout11.xml><?xml version="1.0" encoding="utf-8"?>
-<p:sldLayout xmlns:a="http://schemas.openxmlformats.org/drawingml/2006/main" xmlns:r="http://schemas.openxmlformats.org/officeDocument/2006/relationships" xmlns:p="http://schemas.openxmlformats.org/presentationml/2006/main" type="vertTitleAndTx" preserve="1">
-  <p:cSld name="Vertical Title and Text">
-    <p:spTree>
-      <p:nvGrpSpPr>
-        <p:cNvPr id="1" name=""/>
-        <p:cNvGrpSpPr/>
-        <p:nvPr/>
-      </p:nvGrpSpPr>
-      <p:grpSpPr>
-        <a:xfrm>
-          <a:off x="0" y="0"/>
-          <a:ext cx="0" cy="0"/>
-          <a:chOff x="0" y="0"/>
-          <a:chExt cx="0" cy="0"/>
-        </a:xfrm>
-      </p:grpSpPr>
-      <p:sp>
-        <p:nvSpPr>
-          <p:cNvPr id="2" name="Vertical Title 1">
-            <a:extLst>
-              <a:ext uri="{FF2B5EF4-FFF2-40B4-BE49-F238E27FC236}">
-                <a16:creationId xmlns:a16="http://schemas.microsoft.com/office/drawing/2014/main" id="{F72E78E0-CAAE-2C69-CD97-7F5291DF4189}"/>
-              </a:ext>
-            </a:extLst>
-          </p:cNvPr>
-          <p:cNvSpPr>
-            <a:spLocks noGrp="1"/>
-          </p:cNvSpPr>
-          <p:nvPr>
-            <p:ph type="title" orient="vert"/>
-          </p:nvPr>
-        </p:nvSpPr>
-        <p:spPr>
-          <a:xfrm>
-            <a:off x="6543675" y="274638"/>
-            <a:ext cx="1971675" cy="4357687"/>
-          </a:xfrm>
-        </p:spPr>
-        <p:txBody>
-          <a:bodyPr vert="eaVert"/>
-          <a:lstStyle/>
-          <a:p>
-            <a:r>
-              <a:rPr lang="en-US"/>
-              <a:t>Click to edit Master title style</a:t>
-            </a:r>
-          </a:p>
-        </p:txBody>
-      </p:sp>
-      <p:sp>
-        <p:nvSpPr>
-          <p:cNvPr id="3" name="Vertical Text Placeholder 2">
-            <a:extLst>
-              <a:ext uri="{FF2B5EF4-FFF2-40B4-BE49-F238E27FC236}">
-                <a16:creationId xmlns:a16="http://schemas.microsoft.com/office/drawing/2014/main" id="{A1A74437-2476-7387-89CF-4FCF69D9491F}"/>
-              </a:ext>
-            </a:extLst>
-          </p:cNvPr>
-          <p:cNvSpPr>
-            <a:spLocks noGrp="1"/>
-          </p:cNvSpPr>
-          <p:nvPr>
-            <p:ph type="body" orient="vert" idx="1"/>
-          </p:nvPr>
-        </p:nvSpPr>
-        <p:spPr>
-          <a:xfrm>
-            <a:off x="628650" y="274638"/>
-            <a:ext cx="5762625" cy="4357687"/>
-          </a:xfrm>
-        </p:spPr>
-        <p:txBody>
-          <a:bodyPr vert="eaVert"/>
-          <a:lstStyle/>
-          <a:p>
-            <a:pPr lvl="0"/>
-            <a:r>
-              <a:rPr lang="en-US"/>
-              <a:t>Click to edit Master text styles</a:t>
-            </a:r>
-          </a:p>
-          <a:p>
-            <a:pPr lvl="1"/>
-            <a:r>
-              <a:rPr lang="en-US"/>
-              <a:t>Second level</a:t>
-            </a:r>
-          </a:p>
-          <a:p>
-            <a:pPr lvl="2"/>
-            <a:r>
-              <a:rPr lang="en-US"/>
-              <a:t>Third level</a:t>
-            </a:r>
-          </a:p>
-          <a:p>
-            <a:pPr lvl="3"/>
-            <a:r>
-              <a:rPr lang="en-US"/>
-              <a:t>Fourth level</a:t>
-            </a:r>
-          </a:p>
-          <a:p>
-            <a:pPr lvl="4"/>
-            <a:r>
-              <a:rPr lang="en-US"/>
-              <a:t>Fifth level</a:t>
-            </a:r>
-          </a:p>
-        </p:txBody>
-      </p:sp>
-      <p:sp>
-        <p:nvSpPr>
-          <p:cNvPr id="4" name="Date Placeholder 3">
-            <a:extLst>
-              <a:ext uri="{FF2B5EF4-FFF2-40B4-BE49-F238E27FC236}">
-                <a16:creationId xmlns:a16="http://schemas.microsoft.com/office/drawing/2014/main" id="{15D7618F-AEB6-C1BF-C5AB-1151067751EE}"/>
-              </a:ext>
-            </a:extLst>
-          </p:cNvPr>
-          <p:cNvSpPr>
-            <a:spLocks noGrp="1"/>
-          </p:cNvSpPr>
-          <p:nvPr>
-            <p:ph type="dt" sz="half" idx="10"/>
-          </p:nvPr>
-        </p:nvSpPr>
-        <p:spPr/>
-        <p:txBody>
-          <a:bodyPr/>
-          <a:lstStyle/>
-          <a:p>
-            <a:fld id="{A6076592-231F-2647-BE21-2F16621AE408}" type="datetime1">
-              <a:rPr lang="en-US" smtClean="0"/>
-              <a:t>1/8/26</a:t>
-            </a:fld>
-            <a:endParaRPr lang="en-US"/>
-          </a:p>
-        </p:txBody>
-      </p:sp>
-      <p:sp>
-        <p:nvSpPr>
-          <p:cNvPr id="5" name="Footer Placeholder 4">
-            <a:extLst>
-              <a:ext uri="{FF2B5EF4-FFF2-40B4-BE49-F238E27FC236}">
-                <a16:creationId xmlns:a16="http://schemas.microsoft.com/office/drawing/2014/main" id="{4D3D0550-FB80-F7BA-8CD6-E8871209251E}"/>
-              </a:ext>
-            </a:extLst>
-          </p:cNvPr>
-          <p:cNvSpPr>
-            <a:spLocks noGrp="1"/>
-          </p:cNvSpPr>
-          <p:nvPr>
-            <p:ph type="ftr" sz="quarter" idx="11"/>
-          </p:nvPr>
-        </p:nvSpPr>
-        <p:spPr/>
-        <p:txBody>
-          <a:bodyPr/>
-          <a:lstStyle/>
-          <a:p>
-            <a:r>
-              <a:rPr lang="en-US"/>
-              <a:t>(J. Paul Liu, 2026. Generative AI For Science. Leanpub)</a:t>
-            </a:r>
-          </a:p>
-        </p:txBody>
-      </p:sp>
-      <p:sp>
-        <p:nvSpPr>
-          <p:cNvPr id="6" name="Slide Number Placeholder 5">
-            <a:extLst>
-              <a:ext uri="{FF2B5EF4-FFF2-40B4-BE49-F238E27FC236}">
-                <a16:creationId xmlns:a16="http://schemas.microsoft.com/office/drawing/2014/main" id="{3D3A1883-FDCE-DBBB-C12B-72ECA04FED1C}"/>
-              </a:ext>
-            </a:extLst>
-          </p:cNvPr>
-          <p:cNvSpPr>
-            <a:spLocks noGrp="1"/>
-          </p:cNvSpPr>
-          <p:nvPr>
-            <p:ph type="sldNum" sz="quarter" idx="12"/>
-          </p:nvPr>
-        </p:nvSpPr>
-        <p:spPr/>
-        <p:txBody>
-          <a:bodyPr/>
-          <a:lstStyle/>
-          <a:p>
-            <a:fld id="{A4ECEFEC-E005-0549-9CD2-27F3B82BD618}" type="slidenum">
-              <a:rPr lang="en-US" smtClean="0"/>
-              <a:t>‹#›</a:t>
-            </a:fld>
-            <a:endParaRPr lang="en-US"/>
-          </a:p>
-        </p:txBody>
-      </p:sp>
-    </p:spTree>
-    <p:extLst>
-      <p:ext uri="{BB962C8B-B14F-4D97-AF65-F5344CB8AC3E}">
-        <p14:creationId xmlns:p14="http://schemas.microsoft.com/office/powerpoint/2010/main" val="1508511380"/>
-      </p:ext>
-    </p:extLst>
-  </p:cSld>
-  <p:clrMapOvr>
-    <a:masterClrMapping/>
-  </p:clrMapOvr>
-</p:sldLayout>
-</file>
-
-<file path=ppt/slideLayouts/slideLayout2.xml><?xml version="1.0" encoding="utf-8"?>
-<p:sldLayout xmlns:a="http://schemas.openxmlformats.org/drawingml/2006/main" xmlns:r="http://schemas.openxmlformats.org/officeDocument/2006/relationships" xmlns:p="http://schemas.openxmlformats.org/presentationml/2006/main" type="obj" preserve="1">
-  <p:cSld name="Title and Content">
-    <p:spTree>
-      <p:nvGrpSpPr>
-        <p:cNvPr id="1" name=""/>
-        <p:cNvGrpSpPr/>
-        <p:nvPr/>
-      </p:nvGrpSpPr>
-      <p:grpSpPr>
-        <a:xfrm>
-          <a:off x="0" y="0"/>
-          <a:ext cx="0" cy="0"/>
-          <a:chOff x="0" y="0"/>
-          <a:chExt cx="0" cy="0"/>
-        </a:xfrm>
-      </p:grpSpPr>
-      <p:sp>
-        <p:nvSpPr>
-          <p:cNvPr id="2" name="Title 1">
-            <a:extLst>
-              <a:ext uri="{FF2B5EF4-FFF2-40B4-BE49-F238E27FC236}">
-                <a16:creationId xmlns:a16="http://schemas.microsoft.com/office/drawing/2014/main" id="{633E79DE-816C-ED40-3E96-13DC1C3EB87C}"/>
-              </a:ext>
-            </a:extLst>
-          </p:cNvPr>
-          <p:cNvSpPr>
-            <a:spLocks noGrp="1"/>
-          </p:cNvSpPr>
-          <p:nvPr>
-            <p:ph type="title"/>
-          </p:nvPr>
-        </p:nvSpPr>
-        <p:spPr/>
-        <p:txBody>
-          <a:bodyPr/>
-          <a:lstStyle/>
-          <a:p>
-            <a:r>
-              <a:rPr lang="en-US"/>
-              <a:t>Click to edit Master title style</a:t>
-            </a:r>
-          </a:p>
-        </p:txBody>
-      </p:sp>
-      <p:sp>
-        <p:nvSpPr>
-          <p:cNvPr id="3" name="Content Placeholder 2">
-            <a:extLst>
-              <a:ext uri="{FF2B5EF4-FFF2-40B4-BE49-F238E27FC236}">
-                <a16:creationId xmlns:a16="http://schemas.microsoft.com/office/drawing/2014/main" id="{FE4EE373-0A9F-5CC4-9C33-5E6F4066DFCB}"/>
-              </a:ext>
-            </a:extLst>
-          </p:cNvPr>
-          <p:cNvSpPr>
-            <a:spLocks noGrp="1"/>
-          </p:cNvSpPr>
-          <p:nvPr>
-            <p:ph idx="1"/>
-          </p:nvPr>
-        </p:nvSpPr>
-        <p:spPr/>
-        <p:txBody>
-          <a:bodyPr/>
-          <a:lstStyle/>
-          <a:p>
-            <a:pPr lvl="0"/>
-            <a:r>
-              <a:rPr lang="en-US"/>
-              <a:t>Click to edit Master text styles</a:t>
-            </a:r>
-          </a:p>
-          <a:p>
-            <a:pPr lvl="1"/>
-            <a:r>
-              <a:rPr lang="en-US"/>
-              <a:t>Second level</a:t>
-            </a:r>
-          </a:p>
-          <a:p>
-            <a:pPr lvl="2"/>
-            <a:r>
-              <a:rPr lang="en-US"/>
-              <a:t>Third level</a:t>
-            </a:r>
-          </a:p>
-          <a:p>
-            <a:pPr lvl="3"/>
-            <a:r>
-              <a:rPr lang="en-US"/>
-              <a:t>Fourth level</a:t>
-            </a:r>
-          </a:p>
-          <a:p>
-            <a:pPr lvl="4"/>
-            <a:r>
-              <a:rPr lang="en-US"/>
-              <a:t>Fifth level</a:t>
-            </a:r>
-          </a:p>
-        </p:txBody>
-      </p:sp>
-      <p:sp>
-        <p:nvSpPr>
-          <p:cNvPr id="4" name="Date Placeholder 3">
-            <a:extLst>
-              <a:ext uri="{FF2B5EF4-FFF2-40B4-BE49-F238E27FC236}">
-                <a16:creationId xmlns:a16="http://schemas.microsoft.com/office/drawing/2014/main" id="{A96F818E-9816-CF67-4094-6EDF51BF88ED}"/>
-              </a:ext>
-            </a:extLst>
-          </p:cNvPr>
-          <p:cNvSpPr>
-            <a:spLocks noGrp="1"/>
-          </p:cNvSpPr>
-          <p:nvPr>
-            <p:ph type="dt" sz="half" idx="10"/>
-          </p:nvPr>
-        </p:nvSpPr>
-        <p:spPr/>
-        <p:txBody>
-          <a:bodyPr/>
-          <a:lstStyle/>
-          <a:p>
-            <a:fld id="{8A9A3001-91C0-524C-B03B-FE0F30595DD2}" type="datetime1">
-              <a:rPr lang="en-US" smtClean="0"/>
-              <a:t>1/8/26</a:t>
-            </a:fld>
-            <a:endParaRPr lang="en-US"/>
-          </a:p>
-        </p:txBody>
-      </p:sp>
-      <p:sp>
-        <p:nvSpPr>
-          <p:cNvPr id="5" name="Footer Placeholder 4">
-            <a:extLst>
-              <a:ext uri="{FF2B5EF4-FFF2-40B4-BE49-F238E27FC236}">
-                <a16:creationId xmlns:a16="http://schemas.microsoft.com/office/drawing/2014/main" id="{8CC2E8CE-480B-A4C5-133C-083E625214F0}"/>
-              </a:ext>
-            </a:extLst>
-          </p:cNvPr>
-          <p:cNvSpPr>
-            <a:spLocks noGrp="1"/>
-          </p:cNvSpPr>
-          <p:nvPr>
-            <p:ph type="ftr" sz="quarter" idx="11"/>
-          </p:nvPr>
-        </p:nvSpPr>
-        <p:spPr/>
-        <p:txBody>
-          <a:bodyPr/>
-          <a:lstStyle/>
-          <a:p>
-            <a:r>
-              <a:rPr lang="en-US"/>
-              <a:t>(J. Paul Liu, 2026. Generative AI For Science. Leanpub)</a:t>
-            </a:r>
-          </a:p>
-        </p:txBody>
-      </p:sp>
-      <p:sp>
-        <p:nvSpPr>
-          <p:cNvPr id="6" name="Slide Number Placeholder 5">
-            <a:extLst>
-              <a:ext uri="{FF2B5EF4-FFF2-40B4-BE49-F238E27FC236}">
-                <a16:creationId xmlns:a16="http://schemas.microsoft.com/office/drawing/2014/main" id="{9DCE4AC5-D8FC-612A-AD29-B54FBF5889CC}"/>
-              </a:ext>
-            </a:extLst>
-          </p:cNvPr>
-          <p:cNvSpPr>
-            <a:spLocks noGrp="1"/>
-          </p:cNvSpPr>
-          <p:nvPr>
-            <p:ph type="sldNum" sz="quarter" idx="12"/>
-          </p:nvPr>
-        </p:nvSpPr>
-        <p:spPr/>
-        <p:txBody>
-          <a:bodyPr/>
-          <a:lstStyle/>
-          <a:p>
-            <a:fld id="{A4ECEFEC-E005-0549-9CD2-27F3B82BD618}" type="slidenum">
-              <a:rPr lang="en-US" smtClean="0"/>
-              <a:t>‹#›</a:t>
-            </a:fld>
-            <a:endParaRPr lang="en-US"/>
-          </a:p>
-        </p:txBody>
-      </p:sp>
-    </p:spTree>
-    <p:extLst>
-      <p:ext uri="{BB962C8B-B14F-4D97-AF65-F5344CB8AC3E}">
-        <p14:creationId xmlns:p14="http://schemas.microsoft.com/office/powerpoint/2010/main" val="1664513449"/>
-      </p:ext>
-    </p:extLst>
-  </p:cSld>
-  <p:clrMapOvr>
-    <a:masterClrMapping/>
-  </p:clrMapOvr>
-</p:sldLayout>
-</file>
-
-<file path=ppt/slideLayouts/slideLayout3.xml><?xml version="1.0" encoding="utf-8"?>
-<p:sldLayout xmlns:a="http://schemas.openxmlformats.org/drawingml/2006/main" xmlns:r="http://schemas.openxmlformats.org/officeDocument/2006/relationships" xmlns:p="http://schemas.openxmlformats.org/presentationml/2006/main" type="secHead" preserve="1">
-  <p:cSld name="Section Header">
-    <p:spTree>
-      <p:nvGrpSpPr>
-        <p:cNvPr id="1" name=""/>
-        <p:cNvGrpSpPr/>
-        <p:nvPr/>
-      </p:nvGrpSpPr>
-      <p:grpSpPr>
-        <a:xfrm>
-          <a:off x="0" y="0"/>
-          <a:ext cx="0" cy="0"/>
-          <a:chOff x="0" y="0"/>
-          <a:chExt cx="0" cy="0"/>
-        </a:xfrm>
-      </p:grpSpPr>
-      <p:sp>
-        <p:nvSpPr>
-          <p:cNvPr id="2" name="Title 1">
-            <a:extLst>
-              <a:ext uri="{FF2B5EF4-FFF2-40B4-BE49-F238E27FC236}">
-                <a16:creationId xmlns:a16="http://schemas.microsoft.com/office/drawing/2014/main" id="{0B441EA0-D1E9-D5C5-8F3B-0F01ED94933E}"/>
-              </a:ext>
-            </a:extLst>
-          </p:cNvPr>
-          <p:cNvSpPr>
-            <a:spLocks noGrp="1"/>
-          </p:cNvSpPr>
-          <p:nvPr>
-            <p:ph type="title"/>
-          </p:nvPr>
-        </p:nvSpPr>
-        <p:spPr>
-          <a:xfrm>
-            <a:off x="623888" y="1282700"/>
-            <a:ext cx="7886700" cy="2139950"/>
-          </a:xfrm>
-        </p:spPr>
-        <p:txBody>
-          <a:bodyPr anchor="b"/>
-          <a:lstStyle>
-            <a:lvl1pPr>
-              <a:defRPr sz="6000"/>
-            </a:lvl1pPr>
-          </a:lstStyle>
-          <a:p>
-            <a:r>
-              <a:rPr lang="en-US"/>
-              <a:t>Click to edit Master title style</a:t>
-            </a:r>
-          </a:p>
-        </p:txBody>
-      </p:sp>
-      <p:sp>
-        <p:nvSpPr>
-          <p:cNvPr id="3" name="Text Placeholder 2">
-            <a:extLst>
-              <a:ext uri="{FF2B5EF4-FFF2-40B4-BE49-F238E27FC236}">
-                <a16:creationId xmlns:a16="http://schemas.microsoft.com/office/drawing/2014/main" id="{395F8338-0322-25A8-AB22-12BC03CDD864}"/>
-              </a:ext>
-            </a:extLst>
-          </p:cNvPr>
-          <p:cNvSpPr>
-            <a:spLocks noGrp="1"/>
-          </p:cNvSpPr>
-          <p:nvPr>
-            <p:ph type="body" idx="1"/>
-          </p:nvPr>
-        </p:nvSpPr>
-        <p:spPr>
-          <a:xfrm>
-            <a:off x="623888" y="3441700"/>
-            <a:ext cx="7886700" cy="1125538"/>
-          </a:xfrm>
-        </p:spPr>
-        <p:txBody>
-          <a:bodyPr/>
-          <a:lstStyle>
-            <a:lvl1pPr marL="0" indent="0">
-              <a:buNone/>
-              <a:defRPr sz="2400">
-                <a:solidFill>
-                  <a:schemeClr val="tx1">
-                    <a:tint val="82000"/>
-                  </a:schemeClr>
-                </a:solidFill>
-              </a:defRPr>
-            </a:lvl1pPr>
-            <a:lvl2pPr marL="457200" indent="0">
-              <a:buNone/>
-              <a:defRPr sz="2000">
-                <a:solidFill>
-                  <a:schemeClr val="tx1">
-                    <a:tint val="82000"/>
-                  </a:schemeClr>
-                </a:solidFill>
-              </a:defRPr>
-            </a:lvl2pPr>
-            <a:lvl3pPr marL="914400" indent="0">
-              <a:buNone/>
-              <a:defRPr sz="1800">
-                <a:solidFill>
-                  <a:schemeClr val="tx1">
-                    <a:tint val="82000"/>
-                  </a:schemeClr>
-                </a:solidFill>
-              </a:defRPr>
-            </a:lvl3pPr>
-            <a:lvl4pPr marL="1371600" indent="0">
-              <a:buNone/>
-              <a:defRPr sz="1600">
-                <a:solidFill>
-                  <a:schemeClr val="tx1">
-                    <a:tint val="82000"/>
-                  </a:schemeClr>
-                </a:solidFill>
-              </a:defRPr>
-            </a:lvl4pPr>
-            <a:lvl5pPr marL="1828800" indent="0">
-              <a:buNone/>
-              <a:defRPr sz="1600">
-                <a:solidFill>
-                  <a:schemeClr val="tx1">
-                    <a:tint val="82000"/>
-                  </a:schemeClr>
-                </a:solidFill>
-              </a:defRPr>
-            </a:lvl5pPr>
-            <a:lvl6pPr marL="2286000" indent="0">
-              <a:buNone/>
-              <a:defRPr sz="1600">
-                <a:solidFill>
-                  <a:schemeClr val="tx1">
-                    <a:tint val="82000"/>
-                  </a:schemeClr>
-                </a:solidFill>
-              </a:defRPr>
-            </a:lvl6pPr>
-            <a:lvl7pPr marL="2743200" indent="0">
-              <a:buNone/>
-              <a:defRPr sz="1600">
-                <a:solidFill>
-                  <a:schemeClr val="tx1">
-                    <a:tint val="82000"/>
-                  </a:schemeClr>
-                </a:solidFill>
-              </a:defRPr>
-            </a:lvl7pPr>
-            <a:lvl8pPr marL="3200400" indent="0">
-              <a:buNone/>
-              <a:defRPr sz="1600">
-                <a:solidFill>
-                  <a:schemeClr val="tx1">
-                    <a:tint val="82000"/>
-                  </a:schemeClr>
-                </a:solidFill>
-              </a:defRPr>
-            </a:lvl8pPr>
-            <a:lvl9pPr marL="3657600" indent="0">
-              <a:buNone/>
-              <a:defRPr sz="1600">
-                <a:solidFill>
-                  <a:schemeClr val="tx1">
-                    <a:tint val="82000"/>
-                  </a:schemeClr>
-                </a:solidFill>
-              </a:defRPr>
-            </a:lvl9pPr>
-          </a:lstStyle>
-          <a:p>
-            <a:pPr lvl="0"/>
-            <a:r>
-              <a:rPr lang="en-US"/>
-              <a:t>Click to edit Master text styles</a:t>
-            </a:r>
-          </a:p>
-        </p:txBody>
-      </p:sp>
-      <p:sp>
-        <p:nvSpPr>
-          <p:cNvPr id="4" name="Date Placeholder 3">
-            <a:extLst>
-              <a:ext uri="{FF2B5EF4-FFF2-40B4-BE49-F238E27FC236}">
-                <a16:creationId xmlns:a16="http://schemas.microsoft.com/office/drawing/2014/main" id="{C286DF5A-4453-3C5D-EA39-4F43CC7FF78F}"/>
-              </a:ext>
-            </a:extLst>
-          </p:cNvPr>
-          <p:cNvSpPr>
-            <a:spLocks noGrp="1"/>
-          </p:cNvSpPr>
-          <p:nvPr>
-            <p:ph type="dt" sz="half" idx="10"/>
-          </p:nvPr>
-        </p:nvSpPr>
-        <p:spPr/>
-        <p:txBody>
-          <a:bodyPr/>
-          <a:lstStyle/>
-          <a:p>
-            <a:fld id="{F81FA5D7-666A-D842-B642-E750C8D9A643}" type="datetime1">
-              <a:rPr lang="en-US" smtClean="0"/>
-              <a:t>1/8/26</a:t>
-            </a:fld>
-            <a:endParaRPr lang="en-US"/>
-          </a:p>
-        </p:txBody>
-      </p:sp>
-      <p:sp>
-        <p:nvSpPr>
-          <p:cNvPr id="5" name="Footer Placeholder 4">
-            <a:extLst>
-              <a:ext uri="{FF2B5EF4-FFF2-40B4-BE49-F238E27FC236}">
-                <a16:creationId xmlns:a16="http://schemas.microsoft.com/office/drawing/2014/main" id="{279125DC-A41C-94AE-1CB3-40352E5D826D}"/>
-              </a:ext>
-            </a:extLst>
-          </p:cNvPr>
-          <p:cNvSpPr>
-            <a:spLocks noGrp="1"/>
-          </p:cNvSpPr>
-          <p:nvPr>
-            <p:ph type="ftr" sz="quarter" idx="11"/>
-          </p:nvPr>
-        </p:nvSpPr>
-        <p:spPr/>
-        <p:txBody>
-          <a:bodyPr/>
-          <a:lstStyle/>
-          <a:p>
-            <a:r>
-              <a:rPr lang="en-US"/>
-              <a:t>(J. Paul Liu, 2026. Generative AI For Science. Leanpub)</a:t>
-            </a:r>
-          </a:p>
-        </p:txBody>
-      </p:sp>
-      <p:sp>
-        <p:nvSpPr>
-          <p:cNvPr id="6" name="Slide Number Placeholder 5">
-            <a:extLst>
-              <a:ext uri="{FF2B5EF4-FFF2-40B4-BE49-F238E27FC236}">
-                <a16:creationId xmlns:a16="http://schemas.microsoft.com/office/drawing/2014/main" id="{0A1DE27B-B80C-1BA3-D207-827177EC6DFC}"/>
-              </a:ext>
-            </a:extLst>
-          </p:cNvPr>
-          <p:cNvSpPr>
-            <a:spLocks noGrp="1"/>
-          </p:cNvSpPr>
-          <p:nvPr>
-            <p:ph type="sldNum" sz="quarter" idx="12"/>
-          </p:nvPr>
-        </p:nvSpPr>
-        <p:spPr/>
-        <p:txBody>
-          <a:bodyPr/>
-          <a:lstStyle/>
-          <a:p>
-            <a:fld id="{A4ECEFEC-E005-0549-9CD2-27F3B82BD618}" type="slidenum">
-              <a:rPr lang="en-US" smtClean="0"/>
-              <a:t>‹#›</a:t>
-            </a:fld>
-            <a:endParaRPr lang="en-US"/>
-          </a:p>
-        </p:txBody>
-      </p:sp>
-    </p:spTree>
-    <p:extLst>
-      <p:ext uri="{BB962C8B-B14F-4D97-AF65-F5344CB8AC3E}">
-        <p14:creationId xmlns:p14="http://schemas.microsoft.com/office/powerpoint/2010/main" val="8193395"/>
-      </p:ext>
-    </p:extLst>
-  </p:cSld>
-  <p:clrMapOvr>
-    <a:masterClrMapping/>
-  </p:clrMapOvr>
-</p:sldLayout>
-</file>
-
-<file path=ppt/slideLayouts/slideLayout4.xml><?xml version="1.0" encoding="utf-8"?>
-<p:sldLayout xmlns:a="http://schemas.openxmlformats.org/drawingml/2006/main" xmlns:r="http://schemas.openxmlformats.org/officeDocument/2006/relationships" xmlns:p="http://schemas.openxmlformats.org/presentationml/2006/main" type="twoObj" preserve="1">
-  <p:cSld name="Two Content">
-    <p:spTree>
-      <p:nvGrpSpPr>
-        <p:cNvPr id="1" name=""/>
-        <p:cNvGrpSpPr/>
-        <p:nvPr/>
-      </p:nvGrpSpPr>
-      <p:grpSpPr>
-        <a:xfrm>
-          <a:off x="0" y="0"/>
-          <a:ext cx="0" cy="0"/>
-          <a:chOff x="0" y="0"/>
-          <a:chExt cx="0" cy="0"/>
-        </a:xfrm>
-      </p:grpSpPr>
-      <p:sp>
-        <p:nvSpPr>
-          <p:cNvPr id="2" name="Title 1">
-            <a:extLst>
-              <a:ext uri="{FF2B5EF4-FFF2-40B4-BE49-F238E27FC236}">
-                <a16:creationId xmlns:a16="http://schemas.microsoft.com/office/drawing/2014/main" id="{D8792EFD-902D-00A0-5797-324F2359BF5C}"/>
-              </a:ext>
-            </a:extLst>
-          </p:cNvPr>
-          <p:cNvSpPr>
-            <a:spLocks noGrp="1"/>
-          </p:cNvSpPr>
-          <p:nvPr>
-            <p:ph type="title"/>
-          </p:nvPr>
-        </p:nvSpPr>
-        <p:spPr/>
-        <p:txBody>
-          <a:bodyPr/>
-          <a:lstStyle/>
-          <a:p>
-            <a:r>
-              <a:rPr lang="en-US"/>
-              <a:t>Click to edit Master title style</a:t>
-            </a:r>
-          </a:p>
-        </p:txBody>
-      </p:sp>
-      <p:sp>
-        <p:nvSpPr>
-          <p:cNvPr id="3" name="Content Placeholder 2">
-            <a:extLst>
-              <a:ext uri="{FF2B5EF4-FFF2-40B4-BE49-F238E27FC236}">
-                <a16:creationId xmlns:a16="http://schemas.microsoft.com/office/drawing/2014/main" id="{FA41F729-2A9C-48B2-EDA0-C98BD655EF08}"/>
-              </a:ext>
-            </a:extLst>
-          </p:cNvPr>
-          <p:cNvSpPr>
-            <a:spLocks noGrp="1"/>
-          </p:cNvSpPr>
-          <p:nvPr>
-            <p:ph sz="half" idx="1"/>
-          </p:nvPr>
-        </p:nvSpPr>
-        <p:spPr>
-          <a:xfrm>
-            <a:off x="628650" y="1370013"/>
-            <a:ext cx="3867150" cy="3262312"/>
-          </a:xfrm>
-        </p:spPr>
-        <p:txBody>
-          <a:bodyPr/>
-          <a:lstStyle/>
-          <a:p>
-            <a:pPr lvl="0"/>
-            <a:r>
-              <a:rPr lang="en-US"/>
-              <a:t>Click to edit Master text styles</a:t>
-            </a:r>
-          </a:p>
-          <a:p>
-            <a:pPr lvl="1"/>
-            <a:r>
-              <a:rPr lang="en-US"/>
-              <a:t>Second level</a:t>
-            </a:r>
-          </a:p>
-          <a:p>
-            <a:pPr lvl="2"/>
-            <a:r>
-              <a:rPr lang="en-US"/>
-              <a:t>Third level</a:t>
-            </a:r>
-          </a:p>
-          <a:p>
-            <a:pPr lvl="3"/>
-            <a:r>
-              <a:rPr lang="en-US"/>
-              <a:t>Fourth level</a:t>
-            </a:r>
-          </a:p>
-          <a:p>
-            <a:pPr lvl="4"/>
-            <a:r>
-              <a:rPr lang="en-US"/>
-              <a:t>Fifth level</a:t>
-            </a:r>
-          </a:p>
-        </p:txBody>
-      </p:sp>
-      <p:sp>
-        <p:nvSpPr>
-          <p:cNvPr id="4" name="Content Placeholder 3">
-            <a:extLst>
-              <a:ext uri="{FF2B5EF4-FFF2-40B4-BE49-F238E27FC236}">
-                <a16:creationId xmlns:a16="http://schemas.microsoft.com/office/drawing/2014/main" id="{A81347D2-B410-AAC2-6CEA-B7FC2E84F31C}"/>
-              </a:ext>
-            </a:extLst>
-          </p:cNvPr>
-          <p:cNvSpPr>
-            <a:spLocks noGrp="1"/>
-          </p:cNvSpPr>
-          <p:nvPr>
-            <p:ph sz="half" idx="2"/>
-          </p:nvPr>
-        </p:nvSpPr>
-        <p:spPr>
-          <a:xfrm>
-            <a:off x="4648200" y="1370013"/>
-            <a:ext cx="3867150" cy="3262312"/>
-          </a:xfrm>
-        </p:spPr>
-        <p:txBody>
-          <a:bodyPr/>
-          <a:lstStyle/>
-          <a:p>
-            <a:pPr lvl="0"/>
-            <a:r>
-              <a:rPr lang="en-US"/>
-              <a:t>Click to edit Master text styles</a:t>
-            </a:r>
-          </a:p>
-          <a:p>
-            <a:pPr lvl="1"/>
-            <a:r>
-              <a:rPr lang="en-US"/>
-              <a:t>Second level</a:t>
-            </a:r>
-          </a:p>
-          <a:p>
-            <a:pPr lvl="2"/>
-            <a:r>
-              <a:rPr lang="en-US"/>
-              <a:t>Third level</a:t>
-            </a:r>
-          </a:p>
-          <a:p>
-            <a:pPr lvl="3"/>
-            <a:r>
-              <a:rPr lang="en-US"/>
-              <a:t>Fourth level</a:t>
-            </a:r>
-          </a:p>
-          <a:p>
-            <a:pPr lvl="4"/>
-            <a:r>
-              <a:rPr lang="en-US"/>
-              <a:t>Fifth level</a:t>
-            </a:r>
-          </a:p>
-        </p:txBody>
-      </p:sp>
-      <p:sp>
-        <p:nvSpPr>
-          <p:cNvPr id="5" name="Date Placeholder 4">
-            <a:extLst>
-              <a:ext uri="{FF2B5EF4-FFF2-40B4-BE49-F238E27FC236}">
-                <a16:creationId xmlns:a16="http://schemas.microsoft.com/office/drawing/2014/main" id="{BEDF0EF6-5104-76F5-87A4-1D612A35A9DF}"/>
-              </a:ext>
-            </a:extLst>
-          </p:cNvPr>
-          <p:cNvSpPr>
-            <a:spLocks noGrp="1"/>
-          </p:cNvSpPr>
-          <p:nvPr>
-            <p:ph type="dt" sz="half" idx="10"/>
-          </p:nvPr>
-        </p:nvSpPr>
-        <p:spPr/>
-        <p:txBody>
-          <a:bodyPr/>
-          <a:lstStyle/>
-          <a:p>
-            <a:fld id="{BCD6788F-84F4-844C-83CC-07DB16E268C2}" type="datetime1">
-              <a:rPr lang="en-US" smtClean="0"/>
-              <a:t>1/8/26</a:t>
-            </a:fld>
-            <a:endParaRPr lang="en-US"/>
-          </a:p>
-        </p:txBody>
-      </p:sp>
-      <p:sp>
-        <p:nvSpPr>
-          <p:cNvPr id="6" name="Footer Placeholder 5">
-            <a:extLst>
-              <a:ext uri="{FF2B5EF4-FFF2-40B4-BE49-F238E27FC236}">
-                <a16:creationId xmlns:a16="http://schemas.microsoft.com/office/drawing/2014/main" id="{B8F8599E-EA86-AD56-E0AD-BEF012167260}"/>
-              </a:ext>
-            </a:extLst>
-          </p:cNvPr>
-          <p:cNvSpPr>
-            <a:spLocks noGrp="1"/>
-          </p:cNvSpPr>
-          <p:nvPr>
-            <p:ph type="ftr" sz="quarter" idx="11"/>
-          </p:nvPr>
-        </p:nvSpPr>
-        <p:spPr/>
-        <p:txBody>
-          <a:bodyPr/>
-          <a:lstStyle/>
-          <a:p>
-            <a:r>
-              <a:rPr lang="en-US"/>
-              <a:t>(J. Paul Liu, 2026. Generative AI For Science. Leanpub)</a:t>
-            </a:r>
-          </a:p>
-        </p:txBody>
-      </p:sp>
-      <p:sp>
-        <p:nvSpPr>
-          <p:cNvPr id="7" name="Slide Number Placeholder 6">
-            <a:extLst>
-              <a:ext uri="{FF2B5EF4-FFF2-40B4-BE49-F238E27FC236}">
-                <a16:creationId xmlns:a16="http://schemas.microsoft.com/office/drawing/2014/main" id="{F2F88909-8038-3481-5CA9-038B8C462337}"/>
-              </a:ext>
-            </a:extLst>
-          </p:cNvPr>
-          <p:cNvSpPr>
-            <a:spLocks noGrp="1"/>
-          </p:cNvSpPr>
-          <p:nvPr>
-            <p:ph type="sldNum" sz="quarter" idx="12"/>
-          </p:nvPr>
-        </p:nvSpPr>
-        <p:spPr/>
-        <p:txBody>
-          <a:bodyPr/>
-          <a:lstStyle/>
-          <a:p>
-            <a:fld id="{A4ECEFEC-E005-0549-9CD2-27F3B82BD618}" type="slidenum">
-              <a:rPr lang="en-US" smtClean="0"/>
-              <a:t>‹#›</a:t>
-            </a:fld>
-            <a:endParaRPr lang="en-US"/>
-          </a:p>
-        </p:txBody>
-      </p:sp>
-    </p:spTree>
-    <p:extLst>
-      <p:ext uri="{BB962C8B-B14F-4D97-AF65-F5344CB8AC3E}">
-        <p14:creationId xmlns:p14="http://schemas.microsoft.com/office/powerpoint/2010/main" val="1364935107"/>
-      </p:ext>
-    </p:extLst>
-  </p:cSld>
-  <p:clrMapOvr>
-    <a:masterClrMapping/>
-  </p:clrMapOvr>
-</p:sldLayout>
-</file>
-
-<file path=ppt/slideLayouts/slideLayout5.xml><?xml version="1.0" encoding="utf-8"?>
-<p:sldLayout xmlns:a="http://schemas.openxmlformats.org/drawingml/2006/main" xmlns:r="http://schemas.openxmlformats.org/officeDocument/2006/relationships" xmlns:p="http://schemas.openxmlformats.org/presentationml/2006/main" type="twoTxTwoObj" preserve="1">
-  <p:cSld name="Comparison">
-    <p:spTree>
-      <p:nvGrpSpPr>
-        <p:cNvPr id="1" name=""/>
-        <p:cNvGrpSpPr/>
-        <p:nvPr/>
-      </p:nvGrpSpPr>
-      <p:grpSpPr>
-        <a:xfrm>
-          <a:off x="0" y="0"/>
-          <a:ext cx="0" cy="0"/>
-          <a:chOff x="0" y="0"/>
-          <a:chExt cx="0" cy="0"/>
-        </a:xfrm>
-      </p:grpSpPr>
-      <p:sp>
-        <p:nvSpPr>
-          <p:cNvPr id="2" name="Title 1">
-            <a:extLst>
-              <a:ext uri="{FF2B5EF4-FFF2-40B4-BE49-F238E27FC236}">
-                <a16:creationId xmlns:a16="http://schemas.microsoft.com/office/drawing/2014/main" id="{BBA84668-8461-A8C5-8C95-53325418D0F1}"/>
-              </a:ext>
-            </a:extLst>
-          </p:cNvPr>
-          <p:cNvSpPr>
-            <a:spLocks noGrp="1"/>
-          </p:cNvSpPr>
-          <p:nvPr>
-            <p:ph type="title"/>
-          </p:nvPr>
-        </p:nvSpPr>
-        <p:spPr>
-          <a:xfrm>
-            <a:off x="630238" y="274638"/>
-            <a:ext cx="7886700" cy="993775"/>
-          </a:xfrm>
-        </p:spPr>
-        <p:txBody>
-          <a:bodyPr/>
-          <a:lstStyle/>
-          <a:p>
-            <a:r>
-              <a:rPr lang="en-US"/>
-              <a:t>Click to edit Master title style</a:t>
-            </a:r>
-          </a:p>
-        </p:txBody>
-      </p:sp>
-      <p:sp>
-        <p:nvSpPr>
-          <p:cNvPr id="3" name="Text Placeholder 2">
-            <a:extLst>
-              <a:ext uri="{FF2B5EF4-FFF2-40B4-BE49-F238E27FC236}">
-                <a16:creationId xmlns:a16="http://schemas.microsoft.com/office/drawing/2014/main" id="{BA838A65-4F2F-4CCC-D7C9-E45946A86A2C}"/>
-              </a:ext>
-            </a:extLst>
-          </p:cNvPr>
-          <p:cNvSpPr>
-            <a:spLocks noGrp="1"/>
-          </p:cNvSpPr>
-          <p:nvPr>
-            <p:ph type="body" idx="1"/>
-          </p:nvPr>
-        </p:nvSpPr>
-        <p:spPr>
-          <a:xfrm>
-            <a:off x="630238" y="1260475"/>
-            <a:ext cx="3868737" cy="619125"/>
-          </a:xfrm>
-        </p:spPr>
-        <p:txBody>
-          <a:bodyPr anchor="b"/>
-          <a:lstStyle>
-            <a:lvl1pPr marL="0" indent="0">
-              <a:buNone/>
-              <a:defRPr sz="2400" b="1"/>
-            </a:lvl1pPr>
-            <a:lvl2pPr marL="457200" indent="0">
-              <a:buNone/>
-              <a:defRPr sz="2000" b="1"/>
-            </a:lvl2pPr>
-            <a:lvl3pPr marL="914400" indent="0">
-              <a:buNone/>
-              <a:defRPr sz="1800" b="1"/>
-            </a:lvl3pPr>
-            <a:lvl4pPr marL="1371600" indent="0">
-              <a:buNone/>
-              <a:defRPr sz="1600" b="1"/>
-            </a:lvl4pPr>
-            <a:lvl5pPr marL="1828800" indent="0">
-              <a:buNone/>
-              <a:defRPr sz="1600" b="1"/>
-            </a:lvl5pPr>
-            <a:lvl6pPr marL="2286000" indent="0">
-              <a:buNone/>
-              <a:defRPr sz="1600" b="1"/>
-            </a:lvl6pPr>
-            <a:lvl7pPr marL="2743200" indent="0">
-              <a:buNone/>
-              <a:defRPr sz="1600" b="1"/>
-            </a:lvl7pPr>
-            <a:lvl8pPr marL="3200400" indent="0">
-              <a:buNone/>
-              <a:defRPr sz="1600" b="1"/>
-            </a:lvl8pPr>
-            <a:lvl9pPr marL="3657600" indent="0">
-              <a:buNone/>
-              <a:defRPr sz="1600" b="1"/>
-            </a:lvl9pPr>
-          </a:lstStyle>
-          <a:p>
-            <a:pPr lvl="0"/>
-            <a:r>
-              <a:rPr lang="en-US"/>
-              <a:t>Click to edit Master text styles</a:t>
-            </a:r>
-          </a:p>
-        </p:txBody>
-      </p:sp>
-      <p:sp>
-        <p:nvSpPr>
-          <p:cNvPr id="4" name="Content Placeholder 3">
-            <a:extLst>
-              <a:ext uri="{FF2B5EF4-FFF2-40B4-BE49-F238E27FC236}">
-                <a16:creationId xmlns:a16="http://schemas.microsoft.com/office/drawing/2014/main" id="{C244ED94-4F1B-50FF-7163-4E97939534B9}"/>
-              </a:ext>
-            </a:extLst>
-          </p:cNvPr>
-          <p:cNvSpPr>
-            <a:spLocks noGrp="1"/>
-          </p:cNvSpPr>
-          <p:nvPr>
-            <p:ph sz="half" idx="2"/>
-          </p:nvPr>
-        </p:nvSpPr>
-        <p:spPr>
-          <a:xfrm>
-            <a:off x="630238" y="1879600"/>
-            <a:ext cx="3868737" cy="2762250"/>
-          </a:xfrm>
-        </p:spPr>
-        <p:txBody>
-          <a:bodyPr/>
-          <a:lstStyle/>
-          <a:p>
-            <a:pPr lvl="0"/>
-            <a:r>
-              <a:rPr lang="en-US"/>
-              <a:t>Click to edit Master text styles</a:t>
-            </a:r>
-          </a:p>
-          <a:p>
-            <a:pPr lvl="1"/>
-            <a:r>
-              <a:rPr lang="en-US"/>
-              <a:t>Second level</a:t>
-            </a:r>
-          </a:p>
-          <a:p>
-            <a:pPr lvl="2"/>
-            <a:r>
-              <a:rPr lang="en-US"/>
-              <a:t>Third level</a:t>
-            </a:r>
-          </a:p>
-          <a:p>
-            <a:pPr lvl="3"/>
-            <a:r>
-              <a:rPr lang="en-US"/>
-              <a:t>Fourth level</a:t>
-            </a:r>
-          </a:p>
-          <a:p>
-            <a:pPr lvl="4"/>
-            <a:r>
-              <a:rPr lang="en-US"/>
-              <a:t>Fifth level</a:t>
-            </a:r>
-          </a:p>
-        </p:txBody>
-      </p:sp>
-      <p:sp>
-        <p:nvSpPr>
-          <p:cNvPr id="5" name="Text Placeholder 4">
-            <a:extLst>
-              <a:ext uri="{FF2B5EF4-FFF2-40B4-BE49-F238E27FC236}">
-                <a16:creationId xmlns:a16="http://schemas.microsoft.com/office/drawing/2014/main" id="{94D05376-F3ED-CF1F-ED4E-40EAB20C7067}"/>
-              </a:ext>
-            </a:extLst>
-          </p:cNvPr>
-          <p:cNvSpPr>
-            <a:spLocks noGrp="1"/>
-          </p:cNvSpPr>
-          <p:nvPr>
-            <p:ph type="body" sz="quarter" idx="3"/>
-          </p:nvPr>
-        </p:nvSpPr>
-        <p:spPr>
-          <a:xfrm>
-            <a:off x="4629150" y="1260475"/>
-            <a:ext cx="3887788" cy="619125"/>
-          </a:xfrm>
-        </p:spPr>
-        <p:txBody>
-          <a:bodyPr anchor="b"/>
-          <a:lstStyle>
-            <a:lvl1pPr marL="0" indent="0">
-              <a:buNone/>
-              <a:defRPr sz="2400" b="1"/>
-            </a:lvl1pPr>
-            <a:lvl2pPr marL="457200" indent="0">
-              <a:buNone/>
-              <a:defRPr sz="2000" b="1"/>
-            </a:lvl2pPr>
-            <a:lvl3pPr marL="914400" indent="0">
-              <a:buNone/>
-              <a:defRPr sz="1800" b="1"/>
-            </a:lvl3pPr>
-            <a:lvl4pPr marL="1371600" indent="0">
-              <a:buNone/>
-              <a:defRPr sz="1600" b="1"/>
-            </a:lvl4pPr>
-            <a:lvl5pPr marL="1828800" indent="0">
-              <a:buNone/>
-              <a:defRPr sz="1600" b="1"/>
-            </a:lvl5pPr>
-            <a:lvl6pPr marL="2286000" indent="0">
-              <a:buNone/>
-              <a:defRPr sz="1600" b="1"/>
-            </a:lvl6pPr>
-            <a:lvl7pPr marL="2743200" indent="0">
-              <a:buNone/>
-              <a:defRPr sz="1600" b="1"/>
-            </a:lvl7pPr>
-            <a:lvl8pPr marL="3200400" indent="0">
-              <a:buNone/>
-              <a:defRPr sz="1600" b="1"/>
-            </a:lvl8pPr>
-            <a:lvl9pPr marL="3657600" indent="0">
-              <a:buNone/>
-              <a:defRPr sz="1600" b="1"/>
-            </a:lvl9pPr>
-          </a:lstStyle>
-          <a:p>
-            <a:pPr lvl="0"/>
-            <a:r>
-              <a:rPr lang="en-US"/>
-              <a:t>Click to edit Master text styles</a:t>
-            </a:r>
-          </a:p>
-        </p:txBody>
-      </p:sp>
-      <p:sp>
-        <p:nvSpPr>
-          <p:cNvPr id="6" name="Content Placeholder 5">
-            <a:extLst>
-              <a:ext uri="{FF2B5EF4-FFF2-40B4-BE49-F238E27FC236}">
-                <a16:creationId xmlns:a16="http://schemas.microsoft.com/office/drawing/2014/main" id="{1BFA278B-1F46-3206-9A4D-655FB563C6CA}"/>
-              </a:ext>
-            </a:extLst>
-          </p:cNvPr>
-          <p:cNvSpPr>
-            <a:spLocks noGrp="1"/>
-          </p:cNvSpPr>
-          <p:nvPr>
-            <p:ph sz="quarter" idx="4"/>
-          </p:nvPr>
-        </p:nvSpPr>
-        <p:spPr>
-          <a:xfrm>
-            <a:off x="4629150" y="1879600"/>
-            <a:ext cx="3887788" cy="2762250"/>
-          </a:xfrm>
-        </p:spPr>
-        <p:txBody>
-          <a:bodyPr/>
-          <a:lstStyle/>
-          <a:p>
-            <a:pPr lvl="0"/>
-            <a:r>
-              <a:rPr lang="en-US"/>
-              <a:t>Click to edit Master text styles</a:t>
-            </a:r>
-          </a:p>
-          <a:p>
-            <a:pPr lvl="1"/>
-            <a:r>
-              <a:rPr lang="en-US"/>
-              <a:t>Second level</a:t>
-            </a:r>
-          </a:p>
-          <a:p>
-            <a:pPr lvl="2"/>
-            <a:r>
-              <a:rPr lang="en-US"/>
-              <a:t>Third level</a:t>
-            </a:r>
-          </a:p>
-          <a:p>
-            <a:pPr lvl="3"/>
-            <a:r>
-              <a:rPr lang="en-US"/>
-              <a:t>Fourth level</a:t>
-            </a:r>
-          </a:p>
-          <a:p>
-            <a:pPr lvl="4"/>
-            <a:r>
-              <a:rPr lang="en-US"/>
-              <a:t>Fifth level</a:t>
-            </a:r>
-          </a:p>
-        </p:txBody>
-      </p:sp>
-      <p:sp>
-        <p:nvSpPr>
-          <p:cNvPr id="7" name="Date Placeholder 6">
-            <a:extLst>
-              <a:ext uri="{FF2B5EF4-FFF2-40B4-BE49-F238E27FC236}">
-                <a16:creationId xmlns:a16="http://schemas.microsoft.com/office/drawing/2014/main" id="{AD1851C3-9985-17CA-3D52-DCCE2C96D473}"/>
-              </a:ext>
-            </a:extLst>
-          </p:cNvPr>
-          <p:cNvSpPr>
-            <a:spLocks noGrp="1"/>
-          </p:cNvSpPr>
-          <p:nvPr>
-            <p:ph type="dt" sz="half" idx="10"/>
-          </p:nvPr>
-        </p:nvSpPr>
-        <p:spPr/>
-        <p:txBody>
-          <a:bodyPr/>
-          <a:lstStyle/>
-          <a:p>
-            <a:fld id="{E06DA4A3-CAFE-6645-AFAC-81169DB8CCAD}" type="datetime1">
-              <a:rPr lang="en-US" smtClean="0"/>
-              <a:t>1/8/26</a:t>
-            </a:fld>
-            <a:endParaRPr lang="en-US"/>
-          </a:p>
-        </p:txBody>
-      </p:sp>
-      <p:sp>
-        <p:nvSpPr>
-          <p:cNvPr id="8" name="Footer Placeholder 7">
-            <a:extLst>
-              <a:ext uri="{FF2B5EF4-FFF2-40B4-BE49-F238E27FC236}">
-                <a16:creationId xmlns:a16="http://schemas.microsoft.com/office/drawing/2014/main" id="{524A89B1-CE54-E37D-78DA-A9EEAB923EEB}"/>
-              </a:ext>
-            </a:extLst>
-          </p:cNvPr>
-          <p:cNvSpPr>
-            <a:spLocks noGrp="1"/>
-          </p:cNvSpPr>
-          <p:nvPr>
-            <p:ph type="ftr" sz="quarter" idx="11"/>
-          </p:nvPr>
-        </p:nvSpPr>
-        <p:spPr/>
-        <p:txBody>
-          <a:bodyPr/>
-          <a:lstStyle/>
-          <a:p>
-            <a:r>
-              <a:rPr lang="en-US"/>
-              <a:t>(J. Paul Liu, 2026. Generative AI For Science. Leanpub)</a:t>
-            </a:r>
-          </a:p>
-        </p:txBody>
-      </p:sp>
-      <p:sp>
-        <p:nvSpPr>
-          <p:cNvPr id="9" name="Slide Number Placeholder 8">
-            <a:extLst>
-              <a:ext uri="{FF2B5EF4-FFF2-40B4-BE49-F238E27FC236}">
-                <a16:creationId xmlns:a16="http://schemas.microsoft.com/office/drawing/2014/main" id="{F0CCA064-43F0-429F-6E68-D33865E457CB}"/>
-              </a:ext>
-            </a:extLst>
-          </p:cNvPr>
-          <p:cNvSpPr>
-            <a:spLocks noGrp="1"/>
-          </p:cNvSpPr>
-          <p:nvPr>
-            <p:ph type="sldNum" sz="quarter" idx="12"/>
-          </p:nvPr>
-        </p:nvSpPr>
-        <p:spPr/>
-        <p:txBody>
-          <a:bodyPr/>
-          <a:lstStyle/>
-          <a:p>
-            <a:fld id="{A4ECEFEC-E005-0549-9CD2-27F3B82BD618}" type="slidenum">
-              <a:rPr lang="en-US" smtClean="0"/>
-              <a:t>‹#›</a:t>
-            </a:fld>
-            <a:endParaRPr lang="en-US"/>
-          </a:p>
-        </p:txBody>
-      </p:sp>
-    </p:spTree>
-    <p:extLst>
-      <p:ext uri="{BB962C8B-B14F-4D97-AF65-F5344CB8AC3E}">
-        <p14:creationId xmlns:p14="http://schemas.microsoft.com/office/powerpoint/2010/main" val="865088080"/>
-      </p:ext>
-    </p:extLst>
-  </p:cSld>
-  <p:clrMapOvr>
-    <a:masterClrMapping/>
-  </p:clrMapOvr>
-</p:sldLayout>
-</file>
-
-<file path=ppt/slideLayouts/slideLayout6.xml><?xml version="1.0" encoding="utf-8"?>
-<p:sldLayout xmlns:a="http://schemas.openxmlformats.org/drawingml/2006/main" xmlns:r="http://schemas.openxmlformats.org/officeDocument/2006/relationships" xmlns:p="http://schemas.openxmlformats.org/presentationml/2006/main" type="titleOnly" preserve="1">
-  <p:cSld name="Title Only">
-    <p:spTree>
-      <p:nvGrpSpPr>
-        <p:cNvPr id="1" name=""/>
-        <p:cNvGrpSpPr/>
-        <p:nvPr/>
-      </p:nvGrpSpPr>
-      <p:grpSpPr>
-        <a:xfrm>
-          <a:off x="0" y="0"/>
-          <a:ext cx="0" cy="0"/>
-          <a:chOff x="0" y="0"/>
-          <a:chExt cx="0" cy="0"/>
-        </a:xfrm>
-      </p:grpSpPr>
-      <p:sp>
-        <p:nvSpPr>
-          <p:cNvPr id="2" name="Title 1">
-            <a:extLst>
-              <a:ext uri="{FF2B5EF4-FFF2-40B4-BE49-F238E27FC236}">
-                <a16:creationId xmlns:a16="http://schemas.microsoft.com/office/drawing/2014/main" id="{A3A95EE0-3FE0-1095-7B21-481E8A53631C}"/>
-              </a:ext>
-            </a:extLst>
-          </p:cNvPr>
-          <p:cNvSpPr>
-            <a:spLocks noGrp="1"/>
-          </p:cNvSpPr>
-          <p:nvPr>
-            <p:ph type="title"/>
-          </p:nvPr>
-        </p:nvSpPr>
-        <p:spPr/>
-        <p:txBody>
-          <a:bodyPr/>
-          <a:lstStyle/>
-          <a:p>
-            <a:r>
-              <a:rPr lang="en-US"/>
-              <a:t>Click to edit Master title style</a:t>
-            </a:r>
-          </a:p>
-        </p:txBody>
-      </p:sp>
-      <p:sp>
-        <p:nvSpPr>
-          <p:cNvPr id="3" name="Date Placeholder 2">
-            <a:extLst>
-              <a:ext uri="{FF2B5EF4-FFF2-40B4-BE49-F238E27FC236}">
-                <a16:creationId xmlns:a16="http://schemas.microsoft.com/office/drawing/2014/main" id="{72BD6CAB-424A-190C-D192-E0D60D4EF02E}"/>
-              </a:ext>
-            </a:extLst>
-          </p:cNvPr>
-          <p:cNvSpPr>
-            <a:spLocks noGrp="1"/>
-          </p:cNvSpPr>
-          <p:nvPr>
-            <p:ph type="dt" sz="half" idx="10"/>
-          </p:nvPr>
-        </p:nvSpPr>
-        <p:spPr/>
-        <p:txBody>
-          <a:bodyPr/>
-          <a:lstStyle/>
-          <a:p>
-            <a:fld id="{C9BC33C9-EF3E-9948-9C8A-8C622C67F479}" type="datetime1">
-              <a:rPr lang="en-US" smtClean="0"/>
-              <a:t>1/8/26</a:t>
-            </a:fld>
-            <a:endParaRPr lang="en-US"/>
-          </a:p>
-        </p:txBody>
-      </p:sp>
-      <p:sp>
-        <p:nvSpPr>
-          <p:cNvPr id="4" name="Footer Placeholder 3">
-            <a:extLst>
-              <a:ext uri="{FF2B5EF4-FFF2-40B4-BE49-F238E27FC236}">
-                <a16:creationId xmlns:a16="http://schemas.microsoft.com/office/drawing/2014/main" id="{02DD4B49-992F-98C0-EA02-78CB39CF02CE}"/>
-              </a:ext>
-            </a:extLst>
-          </p:cNvPr>
-          <p:cNvSpPr>
-            <a:spLocks noGrp="1"/>
-          </p:cNvSpPr>
-          <p:nvPr>
-            <p:ph type="ftr" sz="quarter" idx="11"/>
-          </p:nvPr>
-        </p:nvSpPr>
-        <p:spPr/>
-        <p:txBody>
-          <a:bodyPr/>
-          <a:lstStyle/>
-          <a:p>
-            <a:r>
-              <a:rPr lang="en-US"/>
-              <a:t>(J. Paul Liu, 2026. Generative AI For Science. Leanpub)</a:t>
-            </a:r>
-          </a:p>
-        </p:txBody>
-      </p:sp>
-      <p:sp>
-        <p:nvSpPr>
-          <p:cNvPr id="5" name="Slide Number Placeholder 4">
-            <a:extLst>
-              <a:ext uri="{FF2B5EF4-FFF2-40B4-BE49-F238E27FC236}">
-                <a16:creationId xmlns:a16="http://schemas.microsoft.com/office/drawing/2014/main" id="{3B3C2438-2031-60E4-7B24-981638B9CFF9}"/>
-              </a:ext>
-            </a:extLst>
-          </p:cNvPr>
-          <p:cNvSpPr>
-            <a:spLocks noGrp="1"/>
-          </p:cNvSpPr>
-          <p:nvPr>
-            <p:ph type="sldNum" sz="quarter" idx="12"/>
-          </p:nvPr>
-        </p:nvSpPr>
-        <p:spPr/>
-        <p:txBody>
-          <a:bodyPr/>
-          <a:lstStyle/>
-          <a:p>
-            <a:fld id="{A4ECEFEC-E005-0549-9CD2-27F3B82BD618}" type="slidenum">
-              <a:rPr lang="en-US" smtClean="0"/>
-              <a:t>‹#›</a:t>
-            </a:fld>
-            <a:endParaRPr lang="en-US"/>
-          </a:p>
-        </p:txBody>
-      </p:sp>
-    </p:spTree>
-    <p:extLst>
-      <p:ext uri="{BB962C8B-B14F-4D97-AF65-F5344CB8AC3E}">
-        <p14:creationId xmlns:p14="http://schemas.microsoft.com/office/powerpoint/2010/main" val="3159510"/>
-      </p:ext>
-    </p:extLst>
-  </p:cSld>
-  <p:clrMapOvr>
-    <a:masterClrMapping/>
-  </p:clrMapOvr>
-</p:sldLayout>
-</file>
-
-<file path=ppt/slideLayouts/slideLayout7.xml><?xml version="1.0" encoding="utf-8"?>
-<p:sldLayout xmlns:a="http://schemas.openxmlformats.org/drawingml/2006/main" xmlns:r="http://schemas.openxmlformats.org/officeDocument/2006/relationships" xmlns:p="http://schemas.openxmlformats.org/presentationml/2006/main" type="blank" preserve="1">
-  <p:cSld name="Blank">
-    <p:spTree>
-      <p:nvGrpSpPr>
-        <p:cNvPr id="1" name=""/>
-        <p:cNvGrpSpPr/>
-        <p:nvPr/>
-      </p:nvGrpSpPr>
-      <p:grpSpPr>
-        <a:xfrm>
-          <a:off x="0" y="0"/>
-          <a:ext cx="0" cy="0"/>
-          <a:chOff x="0" y="0"/>
-          <a:chExt cx="0" cy="0"/>
-        </a:xfrm>
-      </p:grpSpPr>
-      <p:sp>
-        <p:nvSpPr>
-          <p:cNvPr id="2" name="Date Placeholder 1">
-            <a:extLst>
-              <a:ext uri="{FF2B5EF4-FFF2-40B4-BE49-F238E27FC236}">
-                <a16:creationId xmlns:a16="http://schemas.microsoft.com/office/drawing/2014/main" id="{F04166C4-5E42-0195-A96C-7D5F6EB464B8}"/>
-              </a:ext>
-            </a:extLst>
-          </p:cNvPr>
-          <p:cNvSpPr>
-            <a:spLocks noGrp="1"/>
-          </p:cNvSpPr>
-          <p:nvPr>
-            <p:ph type="dt" sz="half" idx="10"/>
-          </p:nvPr>
-        </p:nvSpPr>
-        <p:spPr/>
-        <p:txBody>
-          <a:bodyPr/>
-          <a:lstStyle/>
-          <a:p>
-            <a:fld id="{49C3E5EE-0C7C-6049-96B9-85D706917ED8}" type="datetime1">
-              <a:rPr lang="en-US" smtClean="0"/>
-              <a:t>1/8/26</a:t>
-            </a:fld>
-            <a:endParaRPr lang="en-US"/>
-          </a:p>
-        </p:txBody>
-      </p:sp>
-      <p:sp>
-        <p:nvSpPr>
-          <p:cNvPr id="3" name="Footer Placeholder 2">
-            <a:extLst>
-              <a:ext uri="{FF2B5EF4-FFF2-40B4-BE49-F238E27FC236}">
-                <a16:creationId xmlns:a16="http://schemas.microsoft.com/office/drawing/2014/main" id="{5418A99B-5EA1-53D9-67B0-73DDFF1A1CB0}"/>
-              </a:ext>
-            </a:extLst>
-          </p:cNvPr>
-          <p:cNvSpPr>
-            <a:spLocks noGrp="1"/>
-          </p:cNvSpPr>
-          <p:nvPr>
-            <p:ph type="ftr" sz="quarter" idx="11"/>
-          </p:nvPr>
-        </p:nvSpPr>
-        <p:spPr/>
-        <p:txBody>
-          <a:bodyPr/>
-          <a:lstStyle/>
-          <a:p>
-            <a:r>
-              <a:rPr lang="en-US"/>
-              <a:t>(J. Paul Liu, 2026. Generative AI For Science. Leanpub)</a:t>
-            </a:r>
-          </a:p>
-        </p:txBody>
-      </p:sp>
-      <p:sp>
-        <p:nvSpPr>
-          <p:cNvPr id="4" name="Slide Number Placeholder 3">
-            <a:extLst>
-              <a:ext uri="{FF2B5EF4-FFF2-40B4-BE49-F238E27FC236}">
-                <a16:creationId xmlns:a16="http://schemas.microsoft.com/office/drawing/2014/main" id="{94DA5012-6099-2670-CD9E-0F81F72194AD}"/>
-              </a:ext>
-            </a:extLst>
-          </p:cNvPr>
-          <p:cNvSpPr>
-            <a:spLocks noGrp="1"/>
-          </p:cNvSpPr>
-          <p:nvPr>
-            <p:ph type="sldNum" sz="quarter" idx="12"/>
-          </p:nvPr>
-        </p:nvSpPr>
-        <p:spPr/>
-        <p:txBody>
-          <a:bodyPr/>
-          <a:lstStyle/>
-          <a:p>
-            <a:fld id="{A4ECEFEC-E005-0549-9CD2-27F3B82BD618}" type="slidenum">
-              <a:rPr lang="en-US" smtClean="0"/>
-              <a:t>‹#›</a:t>
-            </a:fld>
-            <a:endParaRPr lang="en-US"/>
-          </a:p>
-        </p:txBody>
-      </p:sp>
-    </p:spTree>
-    <p:extLst>
-      <p:ext uri="{BB962C8B-B14F-4D97-AF65-F5344CB8AC3E}">
-        <p14:creationId xmlns:p14="http://schemas.microsoft.com/office/powerpoint/2010/main" val="1409583525"/>
-      </p:ext>
-    </p:extLst>
-  </p:cSld>
-  <p:clrMapOvr>
-    <a:masterClrMapping/>
-  </p:clrMapOvr>
-</p:sldLayout>
-</file>
-
-<file path=ppt/slideLayouts/slideLayout8.xml><?xml version="1.0" encoding="utf-8"?>
-<p:sldLayout xmlns:a="http://schemas.openxmlformats.org/drawingml/2006/main" xmlns:r="http://schemas.openxmlformats.org/officeDocument/2006/relationships" xmlns:p="http://schemas.openxmlformats.org/presentationml/2006/main" type="objTx" preserve="1">
-  <p:cSld name="Content with Caption">
-    <p:spTree>
-      <p:nvGrpSpPr>
-        <p:cNvPr id="1" name=""/>
-        <p:cNvGrpSpPr/>
-        <p:nvPr/>
-      </p:nvGrpSpPr>
-      <p:grpSpPr>
-        <a:xfrm>
-          <a:off x="0" y="0"/>
-          <a:ext cx="0" cy="0"/>
-          <a:chOff x="0" y="0"/>
-          <a:chExt cx="0" cy="0"/>
-        </a:xfrm>
-      </p:grpSpPr>
-      <p:sp>
-        <p:nvSpPr>
-          <p:cNvPr id="2" name="Title 1">
-            <a:extLst>
-              <a:ext uri="{FF2B5EF4-FFF2-40B4-BE49-F238E27FC236}">
-                <a16:creationId xmlns:a16="http://schemas.microsoft.com/office/drawing/2014/main" id="{97366D88-F4FD-10B9-3EBC-85B13C647BE3}"/>
-              </a:ext>
-            </a:extLst>
-          </p:cNvPr>
-          <p:cNvSpPr>
-            <a:spLocks noGrp="1"/>
-          </p:cNvSpPr>
-          <p:nvPr>
-            <p:ph type="title"/>
-          </p:nvPr>
-        </p:nvSpPr>
-        <p:spPr>
-          <a:xfrm>
-            <a:off x="630238" y="342900"/>
-            <a:ext cx="2949575" cy="1200150"/>
-          </a:xfrm>
-        </p:spPr>
-        <p:txBody>
-          <a:bodyPr anchor="b"/>
-          <a:lstStyle>
-            <a:lvl1pPr>
-              <a:defRPr sz="3200"/>
-            </a:lvl1pPr>
-          </a:lstStyle>
-          <a:p>
-            <a:r>
-              <a:rPr lang="en-US"/>
-              <a:t>Click to edit Master title style</a:t>
-            </a:r>
-          </a:p>
-        </p:txBody>
-      </p:sp>
-      <p:sp>
-        <p:nvSpPr>
-          <p:cNvPr id="3" name="Content Placeholder 2">
-            <a:extLst>
-              <a:ext uri="{FF2B5EF4-FFF2-40B4-BE49-F238E27FC236}">
-                <a16:creationId xmlns:a16="http://schemas.microsoft.com/office/drawing/2014/main" id="{CA5C7E6C-D00C-30B6-843D-C8A965E3748F}"/>
-              </a:ext>
-            </a:extLst>
-          </p:cNvPr>
-          <p:cNvSpPr>
-            <a:spLocks noGrp="1"/>
-          </p:cNvSpPr>
-          <p:nvPr>
-            <p:ph idx="1"/>
-          </p:nvPr>
-        </p:nvSpPr>
-        <p:spPr>
-          <a:xfrm>
-            <a:off x="3887788" y="741363"/>
-            <a:ext cx="4629150" cy="3654425"/>
-          </a:xfrm>
-        </p:spPr>
-        <p:txBody>
-          <a:bodyPr/>
-          <a:lstStyle>
-            <a:lvl1pPr>
-              <a:defRPr sz="3200"/>
-            </a:lvl1pPr>
-            <a:lvl2pPr>
-              <a:defRPr sz="2800"/>
-            </a:lvl2pPr>
-            <a:lvl3pPr>
-              <a:defRPr sz="2400"/>
-            </a:lvl3pPr>
-            <a:lvl4pPr>
-              <a:defRPr sz="2000"/>
-            </a:lvl4pPr>
-            <a:lvl5pPr>
-              <a:defRPr sz="2000"/>
-            </a:lvl5pPr>
-            <a:lvl6pPr>
-              <a:defRPr sz="2000"/>
-            </a:lvl6pPr>
-            <a:lvl7pPr>
-              <a:defRPr sz="2000"/>
-            </a:lvl7pPr>
-            <a:lvl8pPr>
-              <a:defRPr sz="2000"/>
-            </a:lvl8pPr>
-            <a:lvl9pPr>
-              <a:defRPr sz="2000"/>
-            </a:lvl9pPr>
-          </a:lstStyle>
-          <a:p>
-            <a:pPr lvl="0"/>
-            <a:r>
-              <a:rPr lang="en-US"/>
-              <a:t>Click to edit Master text styles</a:t>
-            </a:r>
-          </a:p>
-          <a:p>
-            <a:pPr lvl="1"/>
-            <a:r>
-              <a:rPr lang="en-US"/>
-              <a:t>Second level</a:t>
-            </a:r>
-          </a:p>
-          <a:p>
-            <a:pPr lvl="2"/>
-            <a:r>
-              <a:rPr lang="en-US"/>
-              <a:t>Third level</a:t>
-            </a:r>
-          </a:p>
-          <a:p>
-            <a:pPr lvl="3"/>
-            <a:r>
-              <a:rPr lang="en-US"/>
-              <a:t>Fourth level</a:t>
-            </a:r>
-          </a:p>
-          <a:p>
-            <a:pPr lvl="4"/>
-            <a:r>
-              <a:rPr lang="en-US"/>
-              <a:t>Fifth level</a:t>
-            </a:r>
-          </a:p>
-        </p:txBody>
-      </p:sp>
-      <p:sp>
-        <p:nvSpPr>
-          <p:cNvPr id="4" name="Text Placeholder 3">
-            <a:extLst>
-              <a:ext uri="{FF2B5EF4-FFF2-40B4-BE49-F238E27FC236}">
-                <a16:creationId xmlns:a16="http://schemas.microsoft.com/office/drawing/2014/main" id="{585AD162-74B2-B0DD-A426-8D939E1762A9}"/>
-              </a:ext>
-            </a:extLst>
-          </p:cNvPr>
-          <p:cNvSpPr>
-            <a:spLocks noGrp="1"/>
-          </p:cNvSpPr>
-          <p:nvPr>
-            <p:ph type="body" sz="half" idx="2"/>
-          </p:nvPr>
-        </p:nvSpPr>
-        <p:spPr>
-          <a:xfrm>
-            <a:off x="630238" y="1543050"/>
-            <a:ext cx="2949575" cy="2859088"/>
-          </a:xfrm>
-        </p:spPr>
-        <p:txBody>
-          <a:bodyPr/>
-          <a:lstStyle>
-            <a:lvl1pPr marL="0" indent="0">
-              <a:buNone/>
-              <a:defRPr sz="1600"/>
-            </a:lvl1pPr>
-            <a:lvl2pPr marL="457200" indent="0">
-              <a:buNone/>
-              <a:defRPr sz="1400"/>
-            </a:lvl2pPr>
-            <a:lvl3pPr marL="914400" indent="0">
-              <a:buNone/>
-              <a:defRPr sz="1200"/>
-            </a:lvl3pPr>
-            <a:lvl4pPr marL="1371600" indent="0">
-              <a:buNone/>
-              <a:defRPr sz="1000"/>
-            </a:lvl4pPr>
-            <a:lvl5pPr marL="1828800" indent="0">
-              <a:buNone/>
-              <a:defRPr sz="1000"/>
-            </a:lvl5pPr>
-            <a:lvl6pPr marL="2286000" indent="0">
-              <a:buNone/>
-              <a:defRPr sz="1000"/>
-            </a:lvl6pPr>
-            <a:lvl7pPr marL="2743200" indent="0">
-              <a:buNone/>
-              <a:defRPr sz="1000"/>
-            </a:lvl7pPr>
-            <a:lvl8pPr marL="3200400" indent="0">
-              <a:buNone/>
-              <a:defRPr sz="1000"/>
-            </a:lvl8pPr>
-            <a:lvl9pPr marL="3657600" indent="0">
-              <a:buNone/>
-              <a:defRPr sz="1000"/>
-            </a:lvl9pPr>
-          </a:lstStyle>
-          <a:p>
-            <a:pPr lvl="0"/>
-            <a:r>
-              <a:rPr lang="en-US"/>
-              <a:t>Click to edit Master text styles</a:t>
-            </a:r>
-          </a:p>
-        </p:txBody>
-      </p:sp>
-      <p:sp>
-        <p:nvSpPr>
-          <p:cNvPr id="5" name="Date Placeholder 4">
-            <a:extLst>
-              <a:ext uri="{FF2B5EF4-FFF2-40B4-BE49-F238E27FC236}">
-                <a16:creationId xmlns:a16="http://schemas.microsoft.com/office/drawing/2014/main" id="{EA97BB7C-9A91-3F36-4EB3-83F2007CC964}"/>
-              </a:ext>
-            </a:extLst>
-          </p:cNvPr>
-          <p:cNvSpPr>
-            <a:spLocks noGrp="1"/>
-          </p:cNvSpPr>
-          <p:nvPr>
-            <p:ph type="dt" sz="half" idx="10"/>
-          </p:nvPr>
-        </p:nvSpPr>
-        <p:spPr/>
-        <p:txBody>
-          <a:bodyPr/>
-          <a:lstStyle/>
-          <a:p>
-            <a:fld id="{0831CDC5-84A5-9F44-95F1-7BD24C3D16CA}" type="datetime1">
-              <a:rPr lang="en-US" smtClean="0"/>
-              <a:t>1/8/26</a:t>
-            </a:fld>
-            <a:endParaRPr lang="en-US"/>
-          </a:p>
-        </p:txBody>
-      </p:sp>
-      <p:sp>
-        <p:nvSpPr>
-          <p:cNvPr id="6" name="Footer Placeholder 5">
-            <a:extLst>
-              <a:ext uri="{FF2B5EF4-FFF2-40B4-BE49-F238E27FC236}">
-                <a16:creationId xmlns:a16="http://schemas.microsoft.com/office/drawing/2014/main" id="{2A220A97-483C-2A37-AA74-B98586B0B6F9}"/>
-              </a:ext>
-            </a:extLst>
-          </p:cNvPr>
-          <p:cNvSpPr>
-            <a:spLocks noGrp="1"/>
-          </p:cNvSpPr>
-          <p:nvPr>
-            <p:ph type="ftr" sz="quarter" idx="11"/>
-          </p:nvPr>
-        </p:nvSpPr>
-        <p:spPr/>
-        <p:txBody>
-          <a:bodyPr/>
-          <a:lstStyle/>
-          <a:p>
-            <a:r>
-              <a:rPr lang="en-US"/>
-              <a:t>(J. Paul Liu, 2026. Generative AI For Science. Leanpub)</a:t>
-            </a:r>
-          </a:p>
-        </p:txBody>
-      </p:sp>
-      <p:sp>
-        <p:nvSpPr>
-          <p:cNvPr id="7" name="Slide Number Placeholder 6">
-            <a:extLst>
-              <a:ext uri="{FF2B5EF4-FFF2-40B4-BE49-F238E27FC236}">
-                <a16:creationId xmlns:a16="http://schemas.microsoft.com/office/drawing/2014/main" id="{881FCD80-84D1-C8B3-60F1-FB126F36A335}"/>
-              </a:ext>
-            </a:extLst>
-          </p:cNvPr>
-          <p:cNvSpPr>
-            <a:spLocks noGrp="1"/>
-          </p:cNvSpPr>
-          <p:nvPr>
-            <p:ph type="sldNum" sz="quarter" idx="12"/>
-          </p:nvPr>
-        </p:nvSpPr>
-        <p:spPr/>
-        <p:txBody>
-          <a:bodyPr/>
-          <a:lstStyle/>
-          <a:p>
-            <a:fld id="{A4ECEFEC-E005-0549-9CD2-27F3B82BD618}" type="slidenum">
-              <a:rPr lang="en-US" smtClean="0"/>
-              <a:t>‹#›</a:t>
-            </a:fld>
-            <a:endParaRPr lang="en-US"/>
-          </a:p>
-        </p:txBody>
-      </p:sp>
-    </p:spTree>
-    <p:extLst>
-      <p:ext uri="{BB962C8B-B14F-4D97-AF65-F5344CB8AC3E}">
-        <p14:creationId xmlns:p14="http://schemas.microsoft.com/office/powerpoint/2010/main" val="939822935"/>
-      </p:ext>
-    </p:extLst>
-  </p:cSld>
-  <p:clrMapOvr>
-    <a:masterClrMapping/>
-  </p:clrMapOvr>
-</p:sldLayout>
-</file>
-
-<file path=ppt/slideLayouts/slideLayout9.xml><?xml version="1.0" encoding="utf-8"?>
-<p:sldLayout xmlns:a="http://schemas.openxmlformats.org/drawingml/2006/main" xmlns:r="http://schemas.openxmlformats.org/officeDocument/2006/relationships" xmlns:p="http://schemas.openxmlformats.org/presentationml/2006/main" type="picTx" preserve="1">
-  <p:cSld name="Picture with Caption">
-    <p:spTree>
-      <p:nvGrpSpPr>
-        <p:cNvPr id="1" name=""/>
-        <p:cNvGrpSpPr/>
-        <p:nvPr/>
-      </p:nvGrpSpPr>
-      <p:grpSpPr>
-        <a:xfrm>
-          <a:off x="0" y="0"/>
-          <a:ext cx="0" cy="0"/>
-          <a:chOff x="0" y="0"/>
-          <a:chExt cx="0" cy="0"/>
-        </a:xfrm>
-      </p:grpSpPr>
-      <p:sp>
-        <p:nvSpPr>
-          <p:cNvPr id="2" name="Title 1">
-            <a:extLst>
-              <a:ext uri="{FF2B5EF4-FFF2-40B4-BE49-F238E27FC236}">
-                <a16:creationId xmlns:a16="http://schemas.microsoft.com/office/drawing/2014/main" id="{2632552B-E2B9-F3DE-4295-3B6117D8958E}"/>
-              </a:ext>
-            </a:extLst>
-          </p:cNvPr>
-          <p:cNvSpPr>
-            <a:spLocks noGrp="1"/>
-          </p:cNvSpPr>
-          <p:nvPr>
-            <p:ph type="title"/>
-          </p:nvPr>
-        </p:nvSpPr>
-        <p:spPr>
-          <a:xfrm>
-            <a:off x="630238" y="342900"/>
-            <a:ext cx="2949575" cy="1200150"/>
-          </a:xfrm>
-        </p:spPr>
-        <p:txBody>
-          <a:bodyPr anchor="b"/>
-          <a:lstStyle>
-            <a:lvl1pPr>
-              <a:defRPr sz="3200"/>
-            </a:lvl1pPr>
-          </a:lstStyle>
-          <a:p>
-            <a:r>
-              <a:rPr lang="en-US"/>
-              <a:t>Click to edit Master title style</a:t>
-            </a:r>
-          </a:p>
-        </p:txBody>
-      </p:sp>
-      <p:sp>
-        <p:nvSpPr>
-          <p:cNvPr id="3" name="Picture Placeholder 2">
-            <a:extLst>
-              <a:ext uri="{FF2B5EF4-FFF2-40B4-BE49-F238E27FC236}">
-                <a16:creationId xmlns:a16="http://schemas.microsoft.com/office/drawing/2014/main" id="{EAC728F6-A3C2-3DD0-128B-CC026840B4DB}"/>
-              </a:ext>
-            </a:extLst>
-          </p:cNvPr>
-          <p:cNvSpPr>
-            <a:spLocks noGrp="1"/>
-          </p:cNvSpPr>
-          <p:nvPr>
-            <p:ph type="pic" idx="1"/>
-          </p:nvPr>
-        </p:nvSpPr>
-        <p:spPr>
-          <a:xfrm>
-            <a:off x="3887788" y="741363"/>
-            <a:ext cx="4629150" cy="3654425"/>
-          </a:xfrm>
-        </p:spPr>
-        <p:txBody>
-          <a:bodyPr/>
-          <a:lstStyle>
-            <a:lvl1pPr marL="0" indent="0">
-              <a:buNone/>
-              <a:defRPr sz="3200"/>
-            </a:lvl1pPr>
-            <a:lvl2pPr marL="457200" indent="0">
-              <a:buNone/>
-              <a:defRPr sz="2800"/>
-            </a:lvl2pPr>
-            <a:lvl3pPr marL="914400" indent="0">
-              <a:buNone/>
-              <a:defRPr sz="2400"/>
-            </a:lvl3pPr>
-            <a:lvl4pPr marL="1371600" indent="0">
-              <a:buNone/>
-              <a:defRPr sz="2000"/>
-            </a:lvl4pPr>
-            <a:lvl5pPr marL="1828800" indent="0">
-              <a:buNone/>
-              <a:defRPr sz="2000"/>
-            </a:lvl5pPr>
-            <a:lvl6pPr marL="2286000" indent="0">
-              <a:buNone/>
-              <a:defRPr sz="2000"/>
-            </a:lvl6pPr>
-            <a:lvl7pPr marL="2743200" indent="0">
-              <a:buNone/>
-              <a:defRPr sz="2000"/>
-            </a:lvl7pPr>
-            <a:lvl8pPr marL="3200400" indent="0">
-              <a:buNone/>
-              <a:defRPr sz="2000"/>
-            </a:lvl8pPr>
-            <a:lvl9pPr marL="3657600" indent="0">
-              <a:buNone/>
-              <a:defRPr sz="2000"/>
-            </a:lvl9pPr>
-          </a:lstStyle>
-          <a:p>
-            <a:endParaRPr lang="en-US"/>
-          </a:p>
-        </p:txBody>
-      </p:sp>
-      <p:sp>
-        <p:nvSpPr>
-          <p:cNvPr id="4" name="Text Placeholder 3">
-            <a:extLst>
-              <a:ext uri="{FF2B5EF4-FFF2-40B4-BE49-F238E27FC236}">
-                <a16:creationId xmlns:a16="http://schemas.microsoft.com/office/drawing/2014/main" id="{16F2979E-7A21-C0F1-52C1-73786534669E}"/>
-              </a:ext>
-            </a:extLst>
-          </p:cNvPr>
-          <p:cNvSpPr>
-            <a:spLocks noGrp="1"/>
-          </p:cNvSpPr>
-          <p:nvPr>
-            <p:ph type="body" sz="half" idx="2"/>
-          </p:nvPr>
-        </p:nvSpPr>
-        <p:spPr>
-          <a:xfrm>
-            <a:off x="630238" y="1543050"/>
-            <a:ext cx="2949575" cy="2859088"/>
-          </a:xfrm>
-        </p:spPr>
-        <p:txBody>
-          <a:bodyPr/>
-          <a:lstStyle>
-            <a:lvl1pPr marL="0" indent="0">
-              <a:buNone/>
-              <a:defRPr sz="1600"/>
-            </a:lvl1pPr>
-            <a:lvl2pPr marL="457200" indent="0">
-              <a:buNone/>
-              <a:defRPr sz="1400"/>
-            </a:lvl2pPr>
-            <a:lvl3pPr marL="914400" indent="0">
-              <a:buNone/>
-              <a:defRPr sz="1200"/>
-            </a:lvl3pPr>
-            <a:lvl4pPr marL="1371600" indent="0">
-              <a:buNone/>
-              <a:defRPr sz="1000"/>
-            </a:lvl4pPr>
-            <a:lvl5pPr marL="1828800" indent="0">
-              <a:buNone/>
-              <a:defRPr sz="1000"/>
-            </a:lvl5pPr>
-            <a:lvl6pPr marL="2286000" indent="0">
-              <a:buNone/>
-              <a:defRPr sz="1000"/>
-            </a:lvl6pPr>
-            <a:lvl7pPr marL="2743200" indent="0">
-              <a:buNone/>
-              <a:defRPr sz="1000"/>
-            </a:lvl7pPr>
-            <a:lvl8pPr marL="3200400" indent="0">
-              <a:buNone/>
-              <a:defRPr sz="1000"/>
-            </a:lvl8pPr>
-            <a:lvl9pPr marL="3657600" indent="0">
-              <a:buNone/>
-              <a:defRPr sz="1000"/>
-            </a:lvl9pPr>
-          </a:lstStyle>
-          <a:p>
-            <a:pPr lvl="0"/>
-            <a:r>
-              <a:rPr lang="en-US"/>
-              <a:t>Click to edit Master text styles</a:t>
-            </a:r>
-          </a:p>
-        </p:txBody>
-      </p:sp>
-      <p:sp>
-        <p:nvSpPr>
-          <p:cNvPr id="5" name="Date Placeholder 4">
-            <a:extLst>
-              <a:ext uri="{FF2B5EF4-FFF2-40B4-BE49-F238E27FC236}">
-                <a16:creationId xmlns:a16="http://schemas.microsoft.com/office/drawing/2014/main" id="{4C772BFE-1843-1AA9-7645-54A08B31DA96}"/>
-              </a:ext>
-            </a:extLst>
-          </p:cNvPr>
-          <p:cNvSpPr>
-            <a:spLocks noGrp="1"/>
-          </p:cNvSpPr>
-          <p:nvPr>
-            <p:ph type="dt" sz="half" idx="10"/>
-          </p:nvPr>
-        </p:nvSpPr>
-        <p:spPr/>
-        <p:txBody>
-          <a:bodyPr/>
-          <a:lstStyle/>
-          <a:p>
-            <a:fld id="{7975F0B0-28E6-8E4E-964F-0ED2395B3C5F}" type="datetime1">
-              <a:rPr lang="en-US" smtClean="0"/>
-              <a:t>1/8/26</a:t>
-            </a:fld>
-            <a:endParaRPr lang="en-US"/>
-          </a:p>
-        </p:txBody>
-      </p:sp>
-      <p:sp>
-        <p:nvSpPr>
-          <p:cNvPr id="6" name="Footer Placeholder 5">
-            <a:extLst>
-              <a:ext uri="{FF2B5EF4-FFF2-40B4-BE49-F238E27FC236}">
-                <a16:creationId xmlns:a16="http://schemas.microsoft.com/office/drawing/2014/main" id="{B34F7CEB-49BD-E0B1-E746-6B1FF0AFCC7F}"/>
-              </a:ext>
-            </a:extLst>
-          </p:cNvPr>
-          <p:cNvSpPr>
-            <a:spLocks noGrp="1"/>
-          </p:cNvSpPr>
-          <p:nvPr>
-            <p:ph type="ftr" sz="quarter" idx="11"/>
-          </p:nvPr>
-        </p:nvSpPr>
-        <p:spPr/>
-        <p:txBody>
-          <a:bodyPr/>
-          <a:lstStyle/>
-          <a:p>
-            <a:r>
-              <a:rPr lang="en-US"/>
-              <a:t>(J. Paul Liu, 2026. Generative AI For Science. Leanpub)</a:t>
-            </a:r>
-          </a:p>
-        </p:txBody>
-      </p:sp>
-      <p:sp>
-        <p:nvSpPr>
-          <p:cNvPr id="7" name="Slide Number Placeholder 6">
-            <a:extLst>
-              <a:ext uri="{FF2B5EF4-FFF2-40B4-BE49-F238E27FC236}">
-                <a16:creationId xmlns:a16="http://schemas.microsoft.com/office/drawing/2014/main" id="{1FC5917E-01E5-E199-96B1-463A30EE7982}"/>
-              </a:ext>
-            </a:extLst>
-          </p:cNvPr>
-          <p:cNvSpPr>
-            <a:spLocks noGrp="1"/>
-          </p:cNvSpPr>
-          <p:nvPr>
-            <p:ph type="sldNum" sz="quarter" idx="12"/>
-          </p:nvPr>
-        </p:nvSpPr>
-        <p:spPr/>
-        <p:txBody>
-          <a:bodyPr/>
-          <a:lstStyle/>
-          <a:p>
-            <a:fld id="{A4ECEFEC-E005-0549-9CD2-27F3B82BD618}" type="slidenum">
-              <a:rPr lang="en-US" smtClean="0"/>
-              <a:t>‹#›</a:t>
-            </a:fld>
-            <a:endParaRPr lang="en-US"/>
-          </a:p>
-        </p:txBody>
-      </p:sp>
-    </p:spTree>
-    <p:extLst>
-      <p:ext uri="{BB962C8B-B14F-4D97-AF65-F5344CB8AC3E}">
-        <p14:creationId xmlns:p14="http://schemas.microsoft.com/office/powerpoint/2010/main" val="4193684223"/>
-      </p:ext>
-    </p:extLst>
   </p:cSld>
   <p:clrMapOvr>
     <a:masterClrMapping/>
@@ -4174,7 +1542,7 @@
 </file>
 
 <file path=ppt/slideMasters/slideMaster1.xml><?xml version="1.0" encoding="utf-8"?>
-<p:sldMaster xmlns:a="http://schemas.openxmlformats.org/drawingml/2006/main" xmlns:r="http://schemas.openxmlformats.org/officeDocument/2006/relationships" xmlns:p="http://schemas.openxmlformats.org/presentationml/2006/main" preserve="1">
+<p:sldMaster xmlns:a="http://schemas.openxmlformats.org/drawingml/2006/main" xmlns:r="http://schemas.openxmlformats.org/officeDocument/2006/relationships" xmlns:p="http://schemas.openxmlformats.org/presentationml/2006/main">
   <p:cSld>
     <p:bg>
       <p:bgRef idx="1001">
@@ -4195,279 +1563,16 @@
           <a:chExt cx="0" cy="0"/>
         </a:xfrm>
       </p:grpSpPr>
-      <p:sp>
-        <p:nvSpPr>
-          <p:cNvPr id="2" name="Title Placeholder 1">
-            <a:extLst>
-              <a:ext uri="{FF2B5EF4-FFF2-40B4-BE49-F238E27FC236}">
-                <a16:creationId xmlns:a16="http://schemas.microsoft.com/office/drawing/2014/main" id="{6502224E-D0FE-8ECF-1EEE-6A5DC0B5B5D7}"/>
-              </a:ext>
-            </a:extLst>
-          </p:cNvPr>
-          <p:cNvSpPr>
-            <a:spLocks noGrp="1"/>
-          </p:cNvSpPr>
-          <p:nvPr>
-            <p:ph type="title"/>
-          </p:nvPr>
-        </p:nvSpPr>
-        <p:spPr>
-          <a:xfrm>
-            <a:off x="628650" y="274638"/>
-            <a:ext cx="7886700" cy="993775"/>
-          </a:xfrm>
-          <a:prstGeom prst="rect">
-            <a:avLst/>
-          </a:prstGeom>
-        </p:spPr>
-        <p:txBody>
-          <a:bodyPr vert="horz" lIns="91440" tIns="45720" rIns="91440" bIns="45720" rtlCol="0" anchor="ctr">
-            <a:normAutofit/>
-          </a:bodyPr>
-          <a:lstStyle/>
-          <a:p>
-            <a:r>
-              <a:rPr lang="en-US"/>
-              <a:t>Click to edit Master title style</a:t>
-            </a:r>
-          </a:p>
-        </p:txBody>
-      </p:sp>
-      <p:sp>
-        <p:nvSpPr>
-          <p:cNvPr id="3" name="Text Placeholder 2">
-            <a:extLst>
-              <a:ext uri="{FF2B5EF4-FFF2-40B4-BE49-F238E27FC236}">
-                <a16:creationId xmlns:a16="http://schemas.microsoft.com/office/drawing/2014/main" id="{6E4D3578-C78C-415D-FA8F-0693211E5068}"/>
-              </a:ext>
-            </a:extLst>
-          </p:cNvPr>
-          <p:cNvSpPr>
-            <a:spLocks noGrp="1"/>
-          </p:cNvSpPr>
-          <p:nvPr>
-            <p:ph type="body" idx="1"/>
-          </p:nvPr>
-        </p:nvSpPr>
-        <p:spPr>
-          <a:xfrm>
-            <a:off x="628650" y="1370013"/>
-            <a:ext cx="7886700" cy="3262312"/>
-          </a:xfrm>
-          <a:prstGeom prst="rect">
-            <a:avLst/>
-          </a:prstGeom>
-        </p:spPr>
-        <p:txBody>
-          <a:bodyPr vert="horz" lIns="91440" tIns="45720" rIns="91440" bIns="45720" rtlCol="0">
-            <a:normAutofit/>
-          </a:bodyPr>
-          <a:lstStyle/>
-          <a:p>
-            <a:pPr lvl="0"/>
-            <a:r>
-              <a:rPr lang="en-US"/>
-              <a:t>Click to edit Master text styles</a:t>
-            </a:r>
-          </a:p>
-          <a:p>
-            <a:pPr lvl="1"/>
-            <a:r>
-              <a:rPr lang="en-US"/>
-              <a:t>Second level</a:t>
-            </a:r>
-          </a:p>
-          <a:p>
-            <a:pPr lvl="2"/>
-            <a:r>
-              <a:rPr lang="en-US"/>
-              <a:t>Third level</a:t>
-            </a:r>
-          </a:p>
-          <a:p>
-            <a:pPr lvl="3"/>
-            <a:r>
-              <a:rPr lang="en-US"/>
-              <a:t>Fourth level</a:t>
-            </a:r>
-          </a:p>
-          <a:p>
-            <a:pPr lvl="4"/>
-            <a:r>
-              <a:rPr lang="en-US"/>
-              <a:t>Fifth level</a:t>
-            </a:r>
-          </a:p>
-        </p:txBody>
-      </p:sp>
-      <p:sp>
-        <p:nvSpPr>
-          <p:cNvPr id="4" name="Date Placeholder 3">
-            <a:extLst>
-              <a:ext uri="{FF2B5EF4-FFF2-40B4-BE49-F238E27FC236}">
-                <a16:creationId xmlns:a16="http://schemas.microsoft.com/office/drawing/2014/main" id="{292772F1-AC0A-1AFC-C1C3-B09DD9B47E15}"/>
-              </a:ext>
-            </a:extLst>
-          </p:cNvPr>
-          <p:cNvSpPr>
-            <a:spLocks noGrp="1"/>
-          </p:cNvSpPr>
-          <p:nvPr>
-            <p:ph type="dt" sz="half" idx="2"/>
-          </p:nvPr>
-        </p:nvSpPr>
-        <p:spPr>
-          <a:xfrm>
-            <a:off x="628650" y="4767263"/>
-            <a:ext cx="2057400" cy="274637"/>
-          </a:xfrm>
-          <a:prstGeom prst="rect">
-            <a:avLst/>
-          </a:prstGeom>
-        </p:spPr>
-        <p:txBody>
-          <a:bodyPr vert="horz" lIns="91440" tIns="45720" rIns="91440" bIns="45720" rtlCol="0" anchor="ctr"/>
-          <a:lstStyle>
-            <a:lvl1pPr algn="l">
-              <a:defRPr sz="1200">
-                <a:solidFill>
-                  <a:schemeClr val="tx1">
-                    <a:tint val="82000"/>
-                  </a:schemeClr>
-                </a:solidFill>
-              </a:defRPr>
-            </a:lvl1pPr>
-          </a:lstStyle>
-          <a:p>
-            <a:fld id="{2B39D62E-4BB4-3540-B4E9-2A41C77855B7}" type="datetime1">
-              <a:rPr lang="en-US" smtClean="0"/>
-              <a:t>1/8/26</a:t>
-            </a:fld>
-            <a:endParaRPr lang="en-US"/>
-          </a:p>
-        </p:txBody>
-      </p:sp>
-      <p:sp>
-        <p:nvSpPr>
-          <p:cNvPr id="5" name="Footer Placeholder 4">
-            <a:extLst>
-              <a:ext uri="{FF2B5EF4-FFF2-40B4-BE49-F238E27FC236}">
-                <a16:creationId xmlns:a16="http://schemas.microsoft.com/office/drawing/2014/main" id="{9C704119-D975-D76B-7520-EB77346FFC9C}"/>
-              </a:ext>
-            </a:extLst>
-          </p:cNvPr>
-          <p:cNvSpPr>
-            <a:spLocks noGrp="1"/>
-          </p:cNvSpPr>
-          <p:nvPr>
-            <p:ph type="ftr" sz="quarter" idx="3"/>
-          </p:nvPr>
-        </p:nvSpPr>
-        <p:spPr>
-          <a:xfrm>
-            <a:off x="3028950" y="4767263"/>
-            <a:ext cx="3086100" cy="274637"/>
-          </a:xfrm>
-          <a:prstGeom prst="rect">
-            <a:avLst/>
-          </a:prstGeom>
-        </p:spPr>
-        <p:txBody>
-          <a:bodyPr vert="horz" lIns="91440" tIns="45720" rIns="91440" bIns="45720" rtlCol="0" anchor="ctr"/>
-          <a:lstStyle>
-            <a:lvl1pPr algn="ctr">
-              <a:defRPr sz="1200">
-                <a:solidFill>
-                  <a:schemeClr val="tx1">
-                    <a:tint val="82000"/>
-                  </a:schemeClr>
-                </a:solidFill>
-              </a:defRPr>
-            </a:lvl1pPr>
-          </a:lstStyle>
-          <a:p>
-            <a:r>
-              <a:rPr lang="en-US"/>
-              <a:t>(J. Paul Liu, 2026. Generative AI For Science. Leanpub)</a:t>
-            </a:r>
-          </a:p>
-        </p:txBody>
-      </p:sp>
-      <p:sp>
-        <p:nvSpPr>
-          <p:cNvPr id="6" name="Slide Number Placeholder 5">
-            <a:extLst>
-              <a:ext uri="{FF2B5EF4-FFF2-40B4-BE49-F238E27FC236}">
-                <a16:creationId xmlns:a16="http://schemas.microsoft.com/office/drawing/2014/main" id="{446A62D5-948F-B31E-9411-6EB15469F28E}"/>
-              </a:ext>
-            </a:extLst>
-          </p:cNvPr>
-          <p:cNvSpPr>
-            <a:spLocks noGrp="1"/>
-          </p:cNvSpPr>
-          <p:nvPr>
-            <p:ph type="sldNum" sz="quarter" idx="4"/>
-          </p:nvPr>
-        </p:nvSpPr>
-        <p:spPr>
-          <a:xfrm>
-            <a:off x="6457950" y="4767263"/>
-            <a:ext cx="2057400" cy="274637"/>
-          </a:xfrm>
-          <a:prstGeom prst="rect">
-            <a:avLst/>
-          </a:prstGeom>
-        </p:spPr>
-        <p:txBody>
-          <a:bodyPr vert="horz" lIns="91440" tIns="45720" rIns="91440" bIns="45720" rtlCol="0" anchor="ctr"/>
-          <a:lstStyle>
-            <a:lvl1pPr algn="r">
-              <a:defRPr sz="1200">
-                <a:solidFill>
-                  <a:schemeClr val="tx1">
-                    <a:tint val="82000"/>
-                  </a:schemeClr>
-                </a:solidFill>
-              </a:defRPr>
-            </a:lvl1pPr>
-          </a:lstStyle>
-          <a:p>
-            <a:fld id="{A4ECEFEC-E005-0549-9CD2-27F3B82BD618}" type="slidenum">
-              <a:rPr lang="en-US" smtClean="0"/>
-              <a:t>‹#›</a:t>
-            </a:fld>
-            <a:endParaRPr lang="en-US"/>
-          </a:p>
-        </p:txBody>
-      </p:sp>
     </p:spTree>
-    <p:extLst>
-      <p:ext uri="{BB962C8B-B14F-4D97-AF65-F5344CB8AC3E}">
-        <p14:creationId xmlns:p14="http://schemas.microsoft.com/office/powerpoint/2010/main" val="1712308959"/>
-      </p:ext>
-    </p:extLst>
   </p:cSld>
   <p:clrMap bg1="lt1" tx1="dk1" bg2="lt2" tx2="dk2" accent1="accent1" accent2="accent2" accent3="accent3" accent4="accent4" accent5="accent5" accent6="accent6" hlink="hlink" folHlink="folHlink"/>
   <p:sldLayoutIdLst>
-    <p:sldLayoutId id="2147483651" r:id="rId1"/>
-    <p:sldLayoutId id="2147483652" r:id="rId2"/>
-    <p:sldLayoutId id="2147483653" r:id="rId3"/>
-    <p:sldLayoutId id="2147483654" r:id="rId4"/>
-    <p:sldLayoutId id="2147483655" r:id="rId5"/>
-    <p:sldLayoutId id="2147483656" r:id="rId6"/>
-    <p:sldLayoutId id="2147483657" r:id="rId7"/>
-    <p:sldLayoutId id="2147483658" r:id="rId8"/>
-    <p:sldLayoutId id="2147483659" r:id="rId9"/>
-    <p:sldLayoutId id="2147483660" r:id="rId10"/>
-    <p:sldLayoutId id="2147483661" r:id="rId11"/>
+    <p:sldLayoutId id="2147483649" r:id="rId1"/>
   </p:sldLayoutIdLst>
   <p:hf sldNum="0" hdr="0" dt="0"/>
   <p:txStyles>
     <p:titleStyle>
-      <a:lvl1pPr algn="l" defTabSz="914400" rtl="0" eaLnBrk="1" latinLnBrk="0" hangingPunct="1">
-        <a:lnSpc>
-          <a:spcPct val="90000"/>
-        </a:lnSpc>
+      <a:lvl1pPr algn="ctr" defTabSz="914400" rtl="0" eaLnBrk="1" latinLnBrk="0" hangingPunct="1">
         <a:spcBef>
           <a:spcPct val="0"/>
         </a:spcBef>
@@ -4483,15 +1588,27 @@
       </a:lvl1pPr>
     </p:titleStyle>
     <p:bodyStyle>
-      <a:lvl1pPr marL="228600" indent="-228600" algn="l" defTabSz="914400" rtl="0" eaLnBrk="1" latinLnBrk="0" hangingPunct="1">
-        <a:lnSpc>
-          <a:spcPct val="90000"/>
-        </a:lnSpc>
+      <a:lvl1pPr marL="342900" indent="-342900" algn="l" defTabSz="914400" rtl="0" eaLnBrk="1" latinLnBrk="0" hangingPunct="1">
         <a:spcBef>
-          <a:spcPts val="1000"/>
+          <a:spcPct val="20000"/>
         </a:spcBef>
-        <a:buFont typeface="Arial" panose="020B0604020202020204" pitchFamily="34" charset="0"/>
+        <a:buFont typeface="Arial" pitchFamily="34" charset="0"/>
         <a:buChar char="•"/>
+        <a:defRPr sz="3200" kern="1200">
+          <a:solidFill>
+            <a:schemeClr val="tx1"/>
+          </a:solidFill>
+          <a:latin typeface="+mn-lt"/>
+          <a:ea typeface="+mn-ea"/>
+          <a:cs typeface="+mn-cs"/>
+        </a:defRPr>
+      </a:lvl1pPr>
+      <a:lvl2pPr marL="742950" indent="-285750" algn="l" defTabSz="914400" rtl="0" eaLnBrk="1" latinLnBrk="0" hangingPunct="1">
+        <a:spcBef>
+          <a:spcPct val="20000"/>
+        </a:spcBef>
+        <a:buFont typeface="Arial" pitchFamily="34" charset="0"/>
+        <a:buChar char="–"/>
         <a:defRPr sz="2800" kern="1200">
           <a:solidFill>
             <a:schemeClr val="tx1"/>
@@ -4500,15 +1617,12 @@
           <a:ea typeface="+mn-ea"/>
           <a:cs typeface="+mn-cs"/>
         </a:defRPr>
-      </a:lvl1pPr>
-      <a:lvl2pPr marL="685800" indent="-228600" algn="l" defTabSz="914400" rtl="0" eaLnBrk="1" latinLnBrk="0" hangingPunct="1">
-        <a:lnSpc>
-          <a:spcPct val="90000"/>
-        </a:lnSpc>
+      </a:lvl2pPr>
+      <a:lvl3pPr marL="1143000" indent="-228600" algn="l" defTabSz="914400" rtl="0" eaLnBrk="1" latinLnBrk="0" hangingPunct="1">
         <a:spcBef>
-          <a:spcPts val="500"/>
+          <a:spcPct val="20000"/>
         </a:spcBef>
-        <a:buFont typeface="Arial" panose="020B0604020202020204" pitchFamily="34" charset="0"/>
+        <a:buFont typeface="Arial" pitchFamily="34" charset="0"/>
         <a:buChar char="•"/>
         <a:defRPr sz="2400" kern="1200">
           <a:solidFill>
@@ -4518,15 +1632,42 @@
           <a:ea typeface="+mn-ea"/>
           <a:cs typeface="+mn-cs"/>
         </a:defRPr>
-      </a:lvl2pPr>
-      <a:lvl3pPr marL="1143000" indent="-228600" algn="l" defTabSz="914400" rtl="0" eaLnBrk="1" latinLnBrk="0" hangingPunct="1">
-        <a:lnSpc>
-          <a:spcPct val="90000"/>
-        </a:lnSpc>
+      </a:lvl3pPr>
+      <a:lvl4pPr marL="1600200" indent="-228600" algn="l" defTabSz="914400" rtl="0" eaLnBrk="1" latinLnBrk="0" hangingPunct="1">
         <a:spcBef>
-          <a:spcPts val="500"/>
+          <a:spcPct val="20000"/>
         </a:spcBef>
-        <a:buFont typeface="Arial" panose="020B0604020202020204" pitchFamily="34" charset="0"/>
+        <a:buFont typeface="Arial" pitchFamily="34" charset="0"/>
+        <a:buChar char="–"/>
+        <a:defRPr sz="2000" kern="1200">
+          <a:solidFill>
+            <a:schemeClr val="tx1"/>
+          </a:solidFill>
+          <a:latin typeface="+mn-lt"/>
+          <a:ea typeface="+mn-ea"/>
+          <a:cs typeface="+mn-cs"/>
+        </a:defRPr>
+      </a:lvl4pPr>
+      <a:lvl5pPr marL="2057400" indent="-228600" algn="l" defTabSz="914400" rtl="0" eaLnBrk="1" latinLnBrk="0" hangingPunct="1">
+        <a:spcBef>
+          <a:spcPct val="20000"/>
+        </a:spcBef>
+        <a:buFont typeface="Arial" pitchFamily="34" charset="0"/>
+        <a:buChar char="»"/>
+        <a:defRPr sz="2000" kern="1200">
+          <a:solidFill>
+            <a:schemeClr val="tx1"/>
+          </a:solidFill>
+          <a:latin typeface="+mn-lt"/>
+          <a:ea typeface="+mn-ea"/>
+          <a:cs typeface="+mn-cs"/>
+        </a:defRPr>
+      </a:lvl5pPr>
+      <a:lvl6pPr marL="2514600" indent="-228600" algn="l" defTabSz="914400" rtl="0" eaLnBrk="1" latinLnBrk="0" hangingPunct="1">
+        <a:spcBef>
+          <a:spcPct val="20000"/>
+        </a:spcBef>
+        <a:buFont typeface="Arial" pitchFamily="34" charset="0"/>
         <a:buChar char="•"/>
         <a:defRPr sz="2000" kern="1200">
           <a:solidFill>
@@ -4536,71 +1677,14 @@
           <a:ea typeface="+mn-ea"/>
           <a:cs typeface="+mn-cs"/>
         </a:defRPr>
-      </a:lvl3pPr>
-      <a:lvl4pPr marL="1600200" indent="-228600" algn="l" defTabSz="914400" rtl="0" eaLnBrk="1" latinLnBrk="0" hangingPunct="1">
-        <a:lnSpc>
-          <a:spcPct val="90000"/>
-        </a:lnSpc>
-        <a:spcBef>
-          <a:spcPts val="500"/>
-        </a:spcBef>
-        <a:buFont typeface="Arial" panose="020B0604020202020204" pitchFamily="34" charset="0"/>
-        <a:buChar char="•"/>
-        <a:defRPr sz="1800" kern="1200">
-          <a:solidFill>
-            <a:schemeClr val="tx1"/>
-          </a:solidFill>
-          <a:latin typeface="+mn-lt"/>
-          <a:ea typeface="+mn-ea"/>
-          <a:cs typeface="+mn-cs"/>
-        </a:defRPr>
-      </a:lvl4pPr>
-      <a:lvl5pPr marL="2057400" indent="-228600" algn="l" defTabSz="914400" rtl="0" eaLnBrk="1" latinLnBrk="0" hangingPunct="1">
-        <a:lnSpc>
-          <a:spcPct val="90000"/>
-        </a:lnSpc>
-        <a:spcBef>
-          <a:spcPts val="500"/>
-        </a:spcBef>
-        <a:buFont typeface="Arial" panose="020B0604020202020204" pitchFamily="34" charset="0"/>
-        <a:buChar char="•"/>
-        <a:defRPr sz="1800" kern="1200">
-          <a:solidFill>
-            <a:schemeClr val="tx1"/>
-          </a:solidFill>
-          <a:latin typeface="+mn-lt"/>
-          <a:ea typeface="+mn-ea"/>
-          <a:cs typeface="+mn-cs"/>
-        </a:defRPr>
-      </a:lvl5pPr>
-      <a:lvl6pPr marL="2514600" indent="-228600" algn="l" defTabSz="914400" rtl="0" eaLnBrk="1" latinLnBrk="0" hangingPunct="1">
-        <a:lnSpc>
-          <a:spcPct val="90000"/>
-        </a:lnSpc>
-        <a:spcBef>
-          <a:spcPts val="500"/>
-        </a:spcBef>
-        <a:buFont typeface="Arial" panose="020B0604020202020204" pitchFamily="34" charset="0"/>
-        <a:buChar char="•"/>
-        <a:defRPr sz="1800" kern="1200">
-          <a:solidFill>
-            <a:schemeClr val="tx1"/>
-          </a:solidFill>
-          <a:latin typeface="+mn-lt"/>
-          <a:ea typeface="+mn-ea"/>
-          <a:cs typeface="+mn-cs"/>
-        </a:defRPr>
       </a:lvl6pPr>
       <a:lvl7pPr marL="2971800" indent="-228600" algn="l" defTabSz="914400" rtl="0" eaLnBrk="1" latinLnBrk="0" hangingPunct="1">
-        <a:lnSpc>
-          <a:spcPct val="90000"/>
-        </a:lnSpc>
         <a:spcBef>
-          <a:spcPts val="500"/>
+          <a:spcPct val="20000"/>
         </a:spcBef>
-        <a:buFont typeface="Arial" panose="020B0604020202020204" pitchFamily="34" charset="0"/>
+        <a:buFont typeface="Arial" pitchFamily="34" charset="0"/>
         <a:buChar char="•"/>
-        <a:defRPr sz="1800" kern="1200">
+        <a:defRPr sz="2000" kern="1200">
           <a:solidFill>
             <a:schemeClr val="tx1"/>
           </a:solidFill>
@@ -4610,15 +1694,12 @@
         </a:defRPr>
       </a:lvl7pPr>
       <a:lvl8pPr marL="3429000" indent="-228600" algn="l" defTabSz="914400" rtl="0" eaLnBrk="1" latinLnBrk="0" hangingPunct="1">
-        <a:lnSpc>
-          <a:spcPct val="90000"/>
-        </a:lnSpc>
         <a:spcBef>
-          <a:spcPts val="500"/>
+          <a:spcPct val="20000"/>
         </a:spcBef>
-        <a:buFont typeface="Arial" panose="020B0604020202020204" pitchFamily="34" charset="0"/>
+        <a:buFont typeface="Arial" pitchFamily="34" charset="0"/>
         <a:buChar char="•"/>
-        <a:defRPr sz="1800" kern="1200">
+        <a:defRPr sz="2000" kern="1200">
           <a:solidFill>
             <a:schemeClr val="tx1"/>
           </a:solidFill>
@@ -4628,15 +1709,12 @@
         </a:defRPr>
       </a:lvl8pPr>
       <a:lvl9pPr marL="3886200" indent="-228600" algn="l" defTabSz="914400" rtl="0" eaLnBrk="1" latinLnBrk="0" hangingPunct="1">
-        <a:lnSpc>
-          <a:spcPct val="90000"/>
-        </a:lnSpc>
         <a:spcBef>
-          <a:spcPts val="500"/>
+          <a:spcPct val="20000"/>
         </a:spcBef>
-        <a:buFont typeface="Arial" panose="020B0604020202020204" pitchFamily="34" charset="0"/>
+        <a:buFont typeface="Arial" pitchFamily="34" charset="0"/>
         <a:buChar char="•"/>
-        <a:defRPr sz="1800" kern="1200">
+        <a:defRPr sz="2000" kern="1200">
           <a:solidFill>
             <a:schemeClr val="tx1"/>
           </a:solidFill>
@@ -5433,7 +2511,7 @@
         </p:nvSpPr>
         <p:spPr>
           <a:xfrm>
-            <a:off x="2586776" y="4386114"/>
+            <a:off x="2586776" y="4572000"/>
             <a:ext cx="4572000" cy="646331"/>
           </a:xfrm>
           <a:prstGeom prst="rect">
@@ -5468,39 +2546,6 @@
                 <a:schemeClr val="bg1"/>
               </a:solidFill>
             </a:endParaRPr>
-          </a:p>
-        </p:txBody>
-      </p:sp>
-      <p:sp>
-        <p:nvSpPr>
-          <p:cNvPr id="22" name="Footer Placeholder 21">
-            <a:extLst>
-              <a:ext uri="{FF2B5EF4-FFF2-40B4-BE49-F238E27FC236}">
-                <a16:creationId xmlns:a16="http://schemas.microsoft.com/office/drawing/2014/main" id="{63F255E3-4C89-6F11-6122-343CDC31403A}"/>
-              </a:ext>
-            </a:extLst>
-          </p:cNvPr>
-          <p:cNvSpPr>
-            <a:spLocks noGrp="1"/>
-          </p:cNvSpPr>
-          <p:nvPr>
-            <p:ph type="ftr" sz="quarter" idx="11"/>
-          </p:nvPr>
-        </p:nvSpPr>
-        <p:spPr>
-          <a:xfrm>
-            <a:off x="2586776" y="4818713"/>
-            <a:ext cx="4233784" cy="274637"/>
-          </a:xfrm>
-        </p:spPr>
-        <p:txBody>
-          <a:bodyPr/>
-          <a:lstStyle/>
-          <a:p>
-            <a:r>
-              <a:rPr lang="en-US" dirty="0"/>
-              <a:t>(J. Paul Liu, 2026. Generative AI For Science. Leanpub)</a:t>
-            </a:r>
           </a:p>
         </p:txBody>
       </p:sp>
@@ -7096,34 +4141,6 @@
               <a:t> Smooth interpolation</a:t>
             </a:r>
             <a:endParaRPr lang="en-US" sz="900" dirty="0"/>
-          </a:p>
-        </p:txBody>
-      </p:sp>
-      <p:sp>
-        <p:nvSpPr>
-          <p:cNvPr id="43" name="Footer Placeholder 42">
-            <a:extLst>
-              <a:ext uri="{FF2B5EF4-FFF2-40B4-BE49-F238E27FC236}">
-                <a16:creationId xmlns:a16="http://schemas.microsoft.com/office/drawing/2014/main" id="{29C9B304-E815-74DB-5D10-F782A3DAE67A}"/>
-              </a:ext>
-            </a:extLst>
-          </p:cNvPr>
-          <p:cNvSpPr>
-            <a:spLocks noGrp="1"/>
-          </p:cNvSpPr>
-          <p:nvPr>
-            <p:ph type="ftr" sz="quarter" idx="11"/>
-          </p:nvPr>
-        </p:nvSpPr>
-        <p:spPr/>
-        <p:txBody>
-          <a:bodyPr/>
-          <a:lstStyle/>
-          <a:p>
-            <a:r>
-              <a:rPr lang="en-US"/>
-              <a:t>(J. Paul Liu, 2026. Generative AI For Science. Leanpub)</a:t>
-            </a:r>
           </a:p>
         </p:txBody>
       </p:sp>
@@ -8301,34 +5318,6 @@
           </a:p>
         </p:txBody>
       </p:sp>
-      <p:sp>
-        <p:nvSpPr>
-          <p:cNvPr id="34" name="Footer Placeholder 33">
-            <a:extLst>
-              <a:ext uri="{FF2B5EF4-FFF2-40B4-BE49-F238E27FC236}">
-                <a16:creationId xmlns:a16="http://schemas.microsoft.com/office/drawing/2014/main" id="{3BEBFEA6-882A-F755-0B36-E7DFDD15AFC6}"/>
-              </a:ext>
-            </a:extLst>
-          </p:cNvPr>
-          <p:cNvSpPr>
-            <a:spLocks noGrp="1"/>
-          </p:cNvSpPr>
-          <p:nvPr>
-            <p:ph type="ftr" sz="quarter" idx="11"/>
-          </p:nvPr>
-        </p:nvSpPr>
-        <p:spPr/>
-        <p:txBody>
-          <a:bodyPr/>
-          <a:lstStyle/>
-          <a:p>
-            <a:r>
-              <a:rPr lang="en-US"/>
-              <a:t>(J. Paul Liu, 2026. Generative AI For Science. Leanpub)</a:t>
-            </a:r>
-          </a:p>
-        </p:txBody>
-      </p:sp>
     </p:spTree>
   </p:cSld>
   <p:clrMapOvr>
@@ -9750,34 +6739,6 @@
           </a:p>
         </p:txBody>
       </p:sp>
-      <p:sp>
-        <p:nvSpPr>
-          <p:cNvPr id="41" name="Footer Placeholder 40">
-            <a:extLst>
-              <a:ext uri="{FF2B5EF4-FFF2-40B4-BE49-F238E27FC236}">
-                <a16:creationId xmlns:a16="http://schemas.microsoft.com/office/drawing/2014/main" id="{C9B1422F-B12C-24BF-4F3F-0912986937E4}"/>
-              </a:ext>
-            </a:extLst>
-          </p:cNvPr>
-          <p:cNvSpPr>
-            <a:spLocks noGrp="1"/>
-          </p:cNvSpPr>
-          <p:nvPr>
-            <p:ph type="ftr" sz="quarter" idx="11"/>
-          </p:nvPr>
-        </p:nvSpPr>
-        <p:spPr/>
-        <p:txBody>
-          <a:bodyPr/>
-          <a:lstStyle/>
-          <a:p>
-            <a:r>
-              <a:rPr lang="en-US"/>
-              <a:t>(J. Paul Liu, 2026. Generative AI For Science. Leanpub)</a:t>
-            </a:r>
-          </a:p>
-        </p:txBody>
-      </p:sp>
     </p:spTree>
   </p:cSld>
   <p:clrMapOvr>
@@ -11455,34 +8416,6 @@
               <a:t>Weather prediction, turbulence, multi-physics</a:t>
             </a:r>
             <a:endParaRPr lang="en-US" sz="825" dirty="0"/>
-          </a:p>
-        </p:txBody>
-      </p:sp>
-      <p:sp>
-        <p:nvSpPr>
-          <p:cNvPr id="50" name="Footer Placeholder 49">
-            <a:extLst>
-              <a:ext uri="{FF2B5EF4-FFF2-40B4-BE49-F238E27FC236}">
-                <a16:creationId xmlns:a16="http://schemas.microsoft.com/office/drawing/2014/main" id="{4891F6EB-3629-AE51-A11B-F8369F24BC0E}"/>
-              </a:ext>
-            </a:extLst>
-          </p:cNvPr>
-          <p:cNvSpPr>
-            <a:spLocks noGrp="1"/>
-          </p:cNvSpPr>
-          <p:nvPr>
-            <p:ph type="ftr" sz="quarter" idx="11"/>
-          </p:nvPr>
-        </p:nvSpPr>
-        <p:spPr/>
-        <p:txBody>
-          <a:bodyPr/>
-          <a:lstStyle/>
-          <a:p>
-            <a:r>
-              <a:rPr lang="en-US"/>
-              <a:t>(J. Paul Liu, 2026. Generative AI For Science. Leanpub)</a:t>
-            </a:r>
           </a:p>
         </p:txBody>
       </p:sp>
@@ -12537,34 +9470,6 @@
           </a:p>
         </p:txBody>
       </p:sp>
-      <p:sp>
-        <p:nvSpPr>
-          <p:cNvPr id="31" name="Footer Placeholder 30">
-            <a:extLst>
-              <a:ext uri="{FF2B5EF4-FFF2-40B4-BE49-F238E27FC236}">
-                <a16:creationId xmlns:a16="http://schemas.microsoft.com/office/drawing/2014/main" id="{64E6D911-4955-645E-B3CC-63975B4F03C1}"/>
-              </a:ext>
-            </a:extLst>
-          </p:cNvPr>
-          <p:cNvSpPr>
-            <a:spLocks noGrp="1"/>
-          </p:cNvSpPr>
-          <p:nvPr>
-            <p:ph type="ftr" sz="quarter" idx="11"/>
-          </p:nvPr>
-        </p:nvSpPr>
-        <p:spPr/>
-        <p:txBody>
-          <a:bodyPr/>
-          <a:lstStyle/>
-          <a:p>
-            <a:r>
-              <a:rPr lang="en-US"/>
-              <a:t>(J. Paul Liu, 2026. Generative AI For Science. Leanpub)</a:t>
-            </a:r>
-          </a:p>
-        </p:txBody>
-      </p:sp>
     </p:spTree>
   </p:cSld>
   <p:clrMapOvr>
@@ -14092,34 +10997,6 @@
           </a:p>
         </p:txBody>
       </p:sp>
-      <p:sp>
-        <p:nvSpPr>
-          <p:cNvPr id="39" name="Footer Placeholder 38">
-            <a:extLst>
-              <a:ext uri="{FF2B5EF4-FFF2-40B4-BE49-F238E27FC236}">
-                <a16:creationId xmlns:a16="http://schemas.microsoft.com/office/drawing/2014/main" id="{B6A400EF-351B-CB22-C728-CE318B537A39}"/>
-              </a:ext>
-            </a:extLst>
-          </p:cNvPr>
-          <p:cNvSpPr>
-            <a:spLocks noGrp="1"/>
-          </p:cNvSpPr>
-          <p:nvPr>
-            <p:ph type="ftr" sz="quarter" idx="11"/>
-          </p:nvPr>
-        </p:nvSpPr>
-        <p:spPr/>
-        <p:txBody>
-          <a:bodyPr/>
-          <a:lstStyle/>
-          <a:p>
-            <a:r>
-              <a:rPr lang="en-US"/>
-              <a:t>(J. Paul Liu, 2026. Generative AI For Science. Leanpub)</a:t>
-            </a:r>
-          </a:p>
-        </p:txBody>
-      </p:sp>
     </p:spTree>
   </p:cSld>
   <p:clrMapOvr>
@@ -15032,34 +11909,6 @@
           </a:p>
         </p:txBody>
       </p:sp>
-      <p:sp>
-        <p:nvSpPr>
-          <p:cNvPr id="28" name="Footer Placeholder 27">
-            <a:extLst>
-              <a:ext uri="{FF2B5EF4-FFF2-40B4-BE49-F238E27FC236}">
-                <a16:creationId xmlns:a16="http://schemas.microsoft.com/office/drawing/2014/main" id="{076BBA78-1D22-B8FD-79CD-AE4FD6000259}"/>
-              </a:ext>
-            </a:extLst>
-          </p:cNvPr>
-          <p:cNvSpPr>
-            <a:spLocks noGrp="1"/>
-          </p:cNvSpPr>
-          <p:nvPr>
-            <p:ph type="ftr" sz="quarter" idx="11"/>
-          </p:nvPr>
-        </p:nvSpPr>
-        <p:spPr/>
-        <p:txBody>
-          <a:bodyPr/>
-          <a:lstStyle/>
-          <a:p>
-            <a:r>
-              <a:rPr lang="en-US"/>
-              <a:t>(J. Paul Liu, 2026. Generative AI For Science. Leanpub)</a:t>
-            </a:r>
-          </a:p>
-        </p:txBody>
-      </p:sp>
     </p:spTree>
   </p:cSld>
   <p:clrMapOvr>
@@ -16241,34 +13090,6 @@
           </a:p>
         </p:txBody>
       </p:sp>
-      <p:sp>
-        <p:nvSpPr>
-          <p:cNvPr id="34" name="Footer Placeholder 33">
-            <a:extLst>
-              <a:ext uri="{FF2B5EF4-FFF2-40B4-BE49-F238E27FC236}">
-                <a16:creationId xmlns:a16="http://schemas.microsoft.com/office/drawing/2014/main" id="{8D0FAB7E-CEE0-45E3-BD54-7D48C882920D}"/>
-              </a:ext>
-            </a:extLst>
-          </p:cNvPr>
-          <p:cNvSpPr>
-            <a:spLocks noGrp="1"/>
-          </p:cNvSpPr>
-          <p:nvPr>
-            <p:ph type="ftr" sz="quarter" idx="11"/>
-          </p:nvPr>
-        </p:nvSpPr>
-        <p:spPr/>
-        <p:txBody>
-          <a:bodyPr/>
-          <a:lstStyle/>
-          <a:p>
-            <a:r>
-              <a:rPr lang="en-US" dirty="0"/>
-              <a:t>(J. Paul Liu, 2026. Generative AI For Science. Leanpub)</a:t>
-            </a:r>
-          </a:p>
-        </p:txBody>
-      </p:sp>
     </p:spTree>
   </p:cSld>
   <p:clrMapOvr>
@@ -17894,34 +14715,6 @@
           </a:p>
         </p:txBody>
       </p:sp>
-      <p:sp>
-        <p:nvSpPr>
-          <p:cNvPr id="44" name="Footer Placeholder 43">
-            <a:extLst>
-              <a:ext uri="{FF2B5EF4-FFF2-40B4-BE49-F238E27FC236}">
-                <a16:creationId xmlns:a16="http://schemas.microsoft.com/office/drawing/2014/main" id="{368A6958-88DB-DA01-8D2D-DC60364A5C5B}"/>
-              </a:ext>
-            </a:extLst>
-          </p:cNvPr>
-          <p:cNvSpPr>
-            <a:spLocks noGrp="1"/>
-          </p:cNvSpPr>
-          <p:nvPr>
-            <p:ph type="ftr" sz="quarter" idx="11"/>
-          </p:nvPr>
-        </p:nvSpPr>
-        <p:spPr/>
-        <p:txBody>
-          <a:bodyPr/>
-          <a:lstStyle/>
-          <a:p>
-            <a:r>
-              <a:rPr lang="en-US"/>
-              <a:t>(J. Paul Liu, 2026. Generative AI For Science. Leanpub)</a:t>
-            </a:r>
-          </a:p>
-        </p:txBody>
-      </p:sp>
     </p:spTree>
   </p:cSld>
   <p:clrMapOvr>
@@ -19512,34 +16305,6 @@
           </a:p>
         </p:txBody>
       </p:sp>
-      <p:sp>
-        <p:nvSpPr>
-          <p:cNvPr id="46" name="Footer Placeholder 45">
-            <a:extLst>
-              <a:ext uri="{FF2B5EF4-FFF2-40B4-BE49-F238E27FC236}">
-                <a16:creationId xmlns:a16="http://schemas.microsoft.com/office/drawing/2014/main" id="{844E9434-FABB-C5F0-FC3B-5086155FC6AA}"/>
-              </a:ext>
-            </a:extLst>
-          </p:cNvPr>
-          <p:cNvSpPr>
-            <a:spLocks noGrp="1"/>
-          </p:cNvSpPr>
-          <p:nvPr>
-            <p:ph type="ftr" sz="quarter" idx="11"/>
-          </p:nvPr>
-        </p:nvSpPr>
-        <p:spPr/>
-        <p:txBody>
-          <a:bodyPr/>
-          <a:lstStyle/>
-          <a:p>
-            <a:r>
-              <a:rPr lang="en-US"/>
-              <a:t>(J. Paul Liu, 2026. Generative AI For Science. Leanpub)</a:t>
-            </a:r>
-          </a:p>
-        </p:txBody>
-      </p:sp>
     </p:spTree>
   </p:cSld>
   <p:clrMapOvr>
@@ -19653,7 +16418,7 @@
         </p:nvSpPr>
         <p:spPr>
           <a:xfrm>
-            <a:off x="285750" y="1430834"/>
+            <a:off x="316611" y="1061741"/>
             <a:ext cx="4255389" cy="186630"/>
           </a:xfrm>
           <a:prstGeom prst="rect">
@@ -19695,8 +16460,8 @@
         </p:nvSpPr>
         <p:spPr>
           <a:xfrm>
-            <a:off x="285750" y="1750814"/>
-            <a:ext cx="4171950" cy="1198066"/>
+            <a:off x="224050" y="1308655"/>
+            <a:ext cx="4171950" cy="913349"/>
           </a:xfrm>
           <a:prstGeom prst="roundRect">
             <a:avLst>
@@ -19727,7 +16492,7 @@
         </p:nvSpPr>
         <p:spPr>
           <a:xfrm>
-            <a:off x="438341" y="1941314"/>
+            <a:off x="457390" y="1361555"/>
             <a:ext cx="3866769" cy="146596"/>
           </a:xfrm>
           <a:prstGeom prst="rect">
@@ -19772,7 +16537,7 @@
         </p:nvSpPr>
         <p:spPr>
           <a:xfrm>
-            <a:off x="438341" y="2183160"/>
+            <a:off x="419100" y="1561050"/>
             <a:ext cx="3866769" cy="319980"/>
           </a:xfrm>
           <a:prstGeom prst="rect">
@@ -19814,7 +16579,7 @@
         </p:nvSpPr>
         <p:spPr>
           <a:xfrm>
-            <a:off x="438341" y="2598390"/>
+            <a:off x="366500" y="1943910"/>
             <a:ext cx="3866769" cy="159990"/>
           </a:xfrm>
           <a:prstGeom prst="rect">
@@ -19859,7 +16624,7 @@
         </p:nvSpPr>
         <p:spPr>
           <a:xfrm>
-            <a:off x="285750" y="3082230"/>
+            <a:off x="283445" y="2355354"/>
             <a:ext cx="2028825" cy="676126"/>
           </a:xfrm>
           <a:prstGeom prst="roundRect">
@@ -19902,7 +16667,7 @@
         </p:nvSpPr>
         <p:spPr>
           <a:xfrm>
-            <a:off x="428625" y="3225105"/>
+            <a:off x="459445" y="2431554"/>
             <a:ext cx="1777937" cy="146596"/>
           </a:xfrm>
           <a:prstGeom prst="rect">
@@ -19947,7 +16712,7 @@
         </p:nvSpPr>
         <p:spPr>
           <a:xfrm>
-            <a:off x="428625" y="3428851"/>
+            <a:off x="459445" y="2635300"/>
             <a:ext cx="1777937" cy="186630"/>
           </a:xfrm>
           <a:prstGeom prst="rect">
@@ -19989,7 +16754,7 @@
         </p:nvSpPr>
         <p:spPr>
           <a:xfrm>
-            <a:off x="2428875" y="3082230"/>
+            <a:off x="2426570" y="2355354"/>
             <a:ext cx="2028825" cy="676126"/>
           </a:xfrm>
           <a:prstGeom prst="roundRect">
@@ -20032,7 +16797,7 @@
         </p:nvSpPr>
         <p:spPr>
           <a:xfrm>
-            <a:off x="2571750" y="3225105"/>
+            <a:off x="2602570" y="2431554"/>
             <a:ext cx="1777937" cy="146596"/>
           </a:xfrm>
           <a:prstGeom prst="rect">
@@ -20077,7 +16842,7 @@
         </p:nvSpPr>
         <p:spPr>
           <a:xfrm>
-            <a:off x="2571750" y="3428851"/>
+            <a:off x="2602570" y="2635300"/>
             <a:ext cx="1777937" cy="186630"/>
           </a:xfrm>
           <a:prstGeom prst="rect">
@@ -20119,7 +16884,7 @@
         </p:nvSpPr>
         <p:spPr>
           <a:xfrm>
-            <a:off x="285750" y="3891707"/>
+            <a:off x="304800" y="3023146"/>
             <a:ext cx="4171950" cy="449461"/>
           </a:xfrm>
           <a:prstGeom prst="roundRect">
@@ -20151,7 +16916,7 @@
         </p:nvSpPr>
         <p:spPr>
           <a:xfrm>
-            <a:off x="419100" y="4025057"/>
+            <a:off x="399097" y="3131928"/>
             <a:ext cx="3983355" cy="182761"/>
           </a:xfrm>
           <a:prstGeom prst="rect">
@@ -20248,7 +17013,7 @@
         </p:nvSpPr>
         <p:spPr>
           <a:xfrm>
-            <a:off x="4686300" y="1347788"/>
+            <a:off x="6470101" y="1414463"/>
             <a:ext cx="4255389" cy="186630"/>
           </a:xfrm>
           <a:prstGeom prst="rect">
@@ -21139,34 +17904,217 @@
           </a:p>
         </p:txBody>
       </p:sp>
-      <p:sp>
-        <p:nvSpPr>
-          <p:cNvPr id="43" name="Footer Placeholder 42">
+      <p:grpSp>
+        <p:nvGrpSpPr>
+          <p:cNvPr id="44" name="Group 43">
             <a:extLst>
               <a:ext uri="{FF2B5EF4-FFF2-40B4-BE49-F238E27FC236}">
-                <a16:creationId xmlns:a16="http://schemas.microsoft.com/office/drawing/2014/main" id="{B152E199-B4C5-F64E-0BFD-42DFFCB0CA0C}"/>
+                <a16:creationId xmlns:a16="http://schemas.microsoft.com/office/drawing/2014/main" id="{641D51A2-A2A6-6018-B6B4-640B4B870577}"/>
               </a:ext>
             </a:extLst>
           </p:cNvPr>
-          <p:cNvSpPr>
-            <a:spLocks noGrp="1"/>
-          </p:cNvSpPr>
-          <p:nvPr>
-            <p:ph type="ftr" sz="quarter" idx="11"/>
-          </p:nvPr>
-        </p:nvSpPr>
-        <p:spPr/>
-        <p:txBody>
-          <a:bodyPr/>
-          <a:lstStyle/>
-          <a:p>
-            <a:r>
-              <a:rPr lang="en-US"/>
-              <a:t>(J. Paul Liu, 2026. Generative AI For Science. Leanpub)</a:t>
-            </a:r>
-          </a:p>
-        </p:txBody>
-      </p:sp>
+          <p:cNvGrpSpPr/>
+          <p:nvPr/>
+        </p:nvGrpSpPr>
+        <p:grpSpPr>
+          <a:xfrm>
+            <a:off x="491913" y="3442841"/>
+            <a:ext cx="3298595" cy="1705488"/>
+            <a:chOff x="366500" y="3508031"/>
+            <a:chExt cx="3298595" cy="1705488"/>
+          </a:xfrm>
+        </p:grpSpPr>
+        <p:pic>
+          <p:nvPicPr>
+            <p:cNvPr id="1026" name="Picture 2">
+              <a:extLst>
+                <a:ext uri="{FF2B5EF4-FFF2-40B4-BE49-F238E27FC236}">
+                  <a16:creationId xmlns:a16="http://schemas.microsoft.com/office/drawing/2014/main" id="{E6AB2F74-0E2B-5687-FD09-409F98BD0421}"/>
+                </a:ext>
+              </a:extLst>
+            </p:cNvPr>
+            <p:cNvPicPr>
+              <a:picLocks noChangeAspect="1" noChangeArrowheads="1"/>
+            </p:cNvPicPr>
+            <p:nvPr/>
+          </p:nvPicPr>
+          <p:blipFill>
+            <a:blip r:embed="rId3">
+              <a:extLst>
+                <a:ext uri="{28A0092B-C50C-407E-A947-70E740481C1C}">
+                  <a14:useLocalDpi xmlns:a14="http://schemas.microsoft.com/office/drawing/2010/main" val="0"/>
+                </a:ext>
+              </a:extLst>
+            </a:blip>
+            <a:srcRect/>
+            <a:stretch>
+              <a:fillRect/>
+            </a:stretch>
+          </p:blipFill>
+          <p:spPr bwMode="auto">
+            <a:xfrm>
+              <a:off x="455009" y="3508031"/>
+              <a:ext cx="2528823" cy="1582994"/>
+            </a:xfrm>
+            <a:prstGeom prst="rect">
+              <a:avLst/>
+            </a:prstGeom>
+            <a:noFill/>
+            <a:extLst>
+              <a:ext uri="{909E8E84-426E-40DD-AFC4-6F175D3DCCD1}">
+                <a14:hiddenFill xmlns:a14="http://schemas.microsoft.com/office/drawing/2010/main">
+                  <a:solidFill>
+                    <a:srgbClr val="FFFFFF"/>
+                  </a:solidFill>
+                </a14:hiddenFill>
+              </a:ext>
+            </a:extLst>
+          </p:spPr>
+        </p:pic>
+        <p:sp>
+          <p:nvSpPr>
+            <p:cNvPr id="40" name="TextBox 39">
+              <a:extLst>
+                <a:ext uri="{FF2B5EF4-FFF2-40B4-BE49-F238E27FC236}">
+                  <a16:creationId xmlns:a16="http://schemas.microsoft.com/office/drawing/2014/main" id="{919CEB20-EB27-A79D-ADDB-5AF82A474200}"/>
+                </a:ext>
+              </a:extLst>
+            </p:cNvPr>
+            <p:cNvSpPr txBox="1"/>
+            <p:nvPr/>
+          </p:nvSpPr>
+          <p:spPr>
+            <a:xfrm>
+              <a:off x="366500" y="4982687"/>
+              <a:ext cx="3298595" cy="230832"/>
+            </a:xfrm>
+            <a:prstGeom prst="rect">
+              <a:avLst/>
+            </a:prstGeom>
+            <a:noFill/>
+          </p:spPr>
+          <p:txBody>
+            <a:bodyPr wrap="square">
+              <a:spAutoFit/>
+            </a:bodyPr>
+            <a:lstStyle/>
+            <a:p>
+              <a:r>
+                <a:rPr lang="en-US" sz="900" dirty="0"/>
+                <a:t>(https://</a:t>
+              </a:r>
+              <a:r>
+                <a:rPr lang="en-US" sz="900" dirty="0" err="1"/>
+                <a:t>sites.math.duke.edu</a:t>
+              </a:r>
+              <a:r>
+                <a:rPr lang="en-US" sz="900" dirty="0"/>
+                <a:t>/education/</a:t>
+              </a:r>
+              <a:r>
+                <a:rPr lang="en-US" sz="900" dirty="0" err="1"/>
+                <a:t>baltimore</a:t>
+              </a:r>
+              <a:r>
+                <a:rPr lang="en-US" sz="900" dirty="0"/>
+                <a:t>/</a:t>
+              </a:r>
+              <a:r>
+                <a:rPr lang="en-US" sz="900" dirty="0" err="1"/>
+                <a:t>sample.html</a:t>
+              </a:r>
+              <a:r>
+                <a:rPr lang="en-US" sz="900" dirty="0"/>
+                <a:t>)</a:t>
+              </a:r>
+            </a:p>
+          </p:txBody>
+        </p:sp>
+        <p:sp>
+          <p:nvSpPr>
+            <p:cNvPr id="41" name="Oval 40">
+              <a:extLst>
+                <a:ext uri="{FF2B5EF4-FFF2-40B4-BE49-F238E27FC236}">
+                  <a16:creationId xmlns:a16="http://schemas.microsoft.com/office/drawing/2014/main" id="{A51CC3C3-B524-BB9A-6C63-280DC7240AB8}"/>
+                </a:ext>
+              </a:extLst>
+            </p:cNvPr>
+            <p:cNvSpPr/>
+            <p:nvPr/>
+          </p:nvSpPr>
+          <p:spPr>
+            <a:xfrm>
+              <a:off x="778370" y="3716006"/>
+              <a:ext cx="104932" cy="146596"/>
+            </a:xfrm>
+            <a:prstGeom prst="ellipse">
+              <a:avLst/>
+            </a:prstGeom>
+            <a:solidFill>
+              <a:srgbClr val="FF0000"/>
+            </a:solidFill>
+          </p:spPr>
+          <p:style>
+            <a:lnRef idx="2">
+              <a:schemeClr val="accent1">
+                <a:shade val="15000"/>
+              </a:schemeClr>
+            </a:lnRef>
+            <a:fillRef idx="1">
+              <a:schemeClr val="accent1"/>
+            </a:fillRef>
+            <a:effectRef idx="0">
+              <a:schemeClr val="accent1"/>
+            </a:effectRef>
+            <a:fontRef idx="minor">
+              <a:schemeClr val="lt1"/>
+            </a:fontRef>
+          </p:style>
+          <p:txBody>
+            <a:bodyPr rtlCol="0" anchor="ctr"/>
+            <a:lstStyle/>
+            <a:p>
+              <a:pPr algn="ctr"/>
+              <a:endParaRPr lang="en-US"/>
+            </a:p>
+          </p:txBody>
+        </p:sp>
+        <p:sp>
+          <p:nvSpPr>
+            <p:cNvPr id="43" name="TextBox 42">
+              <a:extLst>
+                <a:ext uri="{FF2B5EF4-FFF2-40B4-BE49-F238E27FC236}">
+                  <a16:creationId xmlns:a16="http://schemas.microsoft.com/office/drawing/2014/main" id="{BDE06E47-1EE9-8925-2749-69F7F6562B09}"/>
+                </a:ext>
+              </a:extLst>
+            </p:cNvPr>
+            <p:cNvSpPr txBox="1"/>
+            <p:nvPr/>
+          </p:nvSpPr>
+          <p:spPr>
+            <a:xfrm>
+              <a:off x="893595" y="3528566"/>
+              <a:ext cx="357790" cy="276999"/>
+            </a:xfrm>
+            <a:prstGeom prst="rect">
+              <a:avLst/>
+            </a:prstGeom>
+            <a:noFill/>
+          </p:spPr>
+          <p:txBody>
+            <a:bodyPr wrap="none" rtlCol="0">
+              <a:spAutoFit/>
+            </a:bodyPr>
+            <a:lstStyle/>
+            <a:p>
+              <a:r>
+                <a:rPr lang="en-US" sz="1200" dirty="0"/>
+                <a:t>3D</a:t>
+              </a:r>
+            </a:p>
+          </p:txBody>
+        </p:sp>
+      </p:grpSp>
     </p:spTree>
   </p:cSld>
   <p:clrMapOvr>
@@ -21304,7 +18252,7 @@
         </p:nvSpPr>
         <p:spPr>
           <a:xfrm>
-            <a:off x="1821062" y="1666875"/>
+            <a:off x="1821062" y="1396227"/>
             <a:ext cx="2352821" cy="186630"/>
           </a:xfrm>
           <a:prstGeom prst="rect">
@@ -21341,30 +18289,6 @@
           </a:p>
         </p:txBody>
       </p:sp>
-      <p:pic>
-        <p:nvPicPr>
-          <p:cNvPr id="6" name="Image 1" descr="/tmp/rasterized-gradient-5244c8e4.png"/>
-          <p:cNvPicPr>
-            <a:picLocks noChangeAspect="1"/>
-          </p:cNvPicPr>
-          <p:nvPr/>
-        </p:nvPicPr>
-        <p:blipFill>
-          <a:blip r:embed="rId4"/>
-          <a:stretch>
-            <a:fillRect/>
-          </a:stretch>
-        </p:blipFill>
-        <p:spPr>
-          <a:xfrm>
-            <a:off x="1378297" y="1967805"/>
-            <a:ext cx="952500" cy="762000"/>
-          </a:xfrm>
-          <a:prstGeom prst="rect">
-            <a:avLst/>
-          </a:prstGeom>
-        </p:spPr>
-      </p:pic>
       <p:sp>
         <p:nvSpPr>
           <p:cNvPr id="7" name="Text 3"/>
@@ -21407,30 +18331,6 @@
           </a:p>
         </p:txBody>
       </p:sp>
-      <p:pic>
-        <p:nvPicPr>
-          <p:cNvPr id="8" name="Image 2" descr="/tmp/rasterized-gradient-9ab55c12.png"/>
-          <p:cNvPicPr>
-            <a:picLocks noChangeAspect="1"/>
-          </p:cNvPicPr>
-          <p:nvPr/>
-        </p:nvPicPr>
-        <p:blipFill>
-          <a:blip r:embed="rId5"/>
-          <a:stretch>
-            <a:fillRect/>
-          </a:stretch>
-        </p:blipFill>
-        <p:spPr>
-          <a:xfrm>
-            <a:off x="2521297" y="1967805"/>
-            <a:ext cx="952500" cy="762000"/>
-          </a:xfrm>
-          <a:prstGeom prst="rect">
-            <a:avLst/>
-          </a:prstGeom>
-        </p:spPr>
-      </p:pic>
       <p:sp>
         <p:nvSpPr>
           <p:cNvPr id="9" name="Text 4"/>
@@ -21473,30 +18373,6 @@
           </a:p>
         </p:txBody>
       </p:sp>
-      <p:pic>
-        <p:nvPicPr>
-          <p:cNvPr id="10" name="Image 3" descr="/tmp/rasterized-gradient-863d399b.png"/>
-          <p:cNvPicPr>
-            <a:picLocks noChangeAspect="1"/>
-          </p:cNvPicPr>
-          <p:nvPr/>
-        </p:nvPicPr>
-        <p:blipFill>
-          <a:blip r:embed="rId6"/>
-          <a:stretch>
-            <a:fillRect/>
-          </a:stretch>
-        </p:blipFill>
-        <p:spPr>
-          <a:xfrm>
-            <a:off x="3664297" y="1967805"/>
-            <a:ext cx="952500" cy="762000"/>
-          </a:xfrm>
-          <a:prstGeom prst="rect">
-            <a:avLst/>
-          </a:prstGeom>
-        </p:spPr>
-      </p:pic>
       <p:sp>
         <p:nvSpPr>
           <p:cNvPr id="11" name="Text 5"/>
@@ -21724,7 +18600,7 @@
           <p:nvPr/>
         </p:nvPicPr>
         <p:blipFill>
-          <a:blip r:embed="rId7"/>
+          <a:blip r:embed="rId4"/>
           <a:stretch>
             <a:fillRect/>
           </a:stretch>
@@ -22202,31 +19078,148 @@
           </a:p>
         </p:txBody>
       </p:sp>
-      <p:sp>
-        <p:nvSpPr>
-          <p:cNvPr id="32" name="Footer Placeholder 31">
+      <p:pic>
+        <p:nvPicPr>
+          <p:cNvPr id="1026" name="Picture 2">
             <a:extLst>
               <a:ext uri="{FF2B5EF4-FFF2-40B4-BE49-F238E27FC236}">
-                <a16:creationId xmlns:a16="http://schemas.microsoft.com/office/drawing/2014/main" id="{FCF8DF28-8B0C-F93F-BB61-256FD978B66A}"/>
+                <a16:creationId xmlns:a16="http://schemas.microsoft.com/office/drawing/2014/main" id="{BACE9E0A-C2BA-E254-985C-0DB0F816CB91}"/>
               </a:ext>
             </a:extLst>
           </p:cNvPr>
-          <p:cNvSpPr>
-            <a:spLocks noGrp="1"/>
-          </p:cNvSpPr>
-          <p:nvPr>
-            <p:ph type="ftr" sz="quarter" idx="11"/>
-          </p:nvPr>
-        </p:nvSpPr>
-        <p:spPr/>
-        <p:txBody>
-          <a:bodyPr/>
-          <a:lstStyle/>
-          <a:p>
-            <a:r>
-              <a:rPr lang="en-US"/>
-              <a:t>(J. Paul Liu, 2026. Generative AI For Science. Leanpub)</a:t>
-            </a:r>
+          <p:cNvPicPr>
+            <a:picLocks noChangeAspect="1" noChangeArrowheads="1"/>
+          </p:cNvPicPr>
+          <p:nvPr/>
+        </p:nvPicPr>
+        <p:blipFill>
+          <a:blip r:embed="rId5">
+            <a:extLst>
+              <a:ext uri="{28A0092B-C50C-407E-A947-70E740481C1C}">
+                <a14:useLocalDpi xmlns:a14="http://schemas.microsoft.com/office/drawing/2010/main" val="0"/>
+              </a:ext>
+            </a:extLst>
+          </a:blip>
+          <a:srcRect/>
+          <a:stretch>
+            <a:fillRect/>
+          </a:stretch>
+        </p:blipFill>
+        <p:spPr bwMode="auto">
+          <a:xfrm>
+            <a:off x="330503" y="1630060"/>
+            <a:ext cx="5290748" cy="1477918"/>
+          </a:xfrm>
+          <a:prstGeom prst="rect">
+            <a:avLst/>
+          </a:prstGeom>
+          <a:noFill/>
+          <a:extLst>
+            <a:ext uri="{909E8E84-426E-40DD-AFC4-6F175D3DCCD1}">
+              <a14:hiddenFill xmlns:a14="http://schemas.microsoft.com/office/drawing/2010/main">
+                <a:solidFill>
+                  <a:srgbClr val="FFFFFF"/>
+                </a:solidFill>
+              </a14:hiddenFill>
+            </a:ext>
+          </a:extLst>
+        </p:spPr>
+      </p:pic>
+      <p:sp>
+        <p:nvSpPr>
+          <p:cNvPr id="28" name="Oval 27">
+            <a:extLst>
+              <a:ext uri="{FF2B5EF4-FFF2-40B4-BE49-F238E27FC236}">
+                <a16:creationId xmlns:a16="http://schemas.microsoft.com/office/drawing/2014/main" id="{0C0B9332-4FE0-3A27-C919-8A7ABEB23C55}"/>
+              </a:ext>
+            </a:extLst>
+          </p:cNvPr>
+          <p:cNvSpPr/>
+          <p:nvPr/>
+        </p:nvSpPr>
+        <p:spPr>
+          <a:xfrm>
+            <a:off x="2840637" y="2846588"/>
+            <a:ext cx="104932" cy="146596"/>
+          </a:xfrm>
+          <a:prstGeom prst="ellipse">
+            <a:avLst/>
+          </a:prstGeom>
+          <a:solidFill>
+            <a:srgbClr val="FF0000"/>
+          </a:solidFill>
+        </p:spPr>
+        <p:style>
+          <a:lnRef idx="2">
+            <a:schemeClr val="accent1">
+              <a:shade val="15000"/>
+            </a:schemeClr>
+          </a:lnRef>
+          <a:fillRef idx="1">
+            <a:schemeClr val="accent1"/>
+          </a:fillRef>
+          <a:effectRef idx="0">
+            <a:schemeClr val="accent1"/>
+          </a:effectRef>
+          <a:fontRef idx="minor">
+            <a:schemeClr val="lt1"/>
+          </a:fontRef>
+        </p:style>
+        <p:txBody>
+          <a:bodyPr rtlCol="0" anchor="ctr"/>
+          <a:lstStyle/>
+          <a:p>
+            <a:pPr algn="ctr"/>
+            <a:endParaRPr lang="en-US"/>
+          </a:p>
+        </p:txBody>
+      </p:sp>
+      <p:sp>
+        <p:nvSpPr>
+          <p:cNvPr id="29" name="Oval 28">
+            <a:extLst>
+              <a:ext uri="{FF2B5EF4-FFF2-40B4-BE49-F238E27FC236}">
+                <a16:creationId xmlns:a16="http://schemas.microsoft.com/office/drawing/2014/main" id="{7DF61D4D-BF67-DE14-F9E6-8C451D66A79A}"/>
+              </a:ext>
+            </a:extLst>
+          </p:cNvPr>
+          <p:cNvSpPr/>
+          <p:nvPr/>
+        </p:nvSpPr>
+        <p:spPr>
+          <a:xfrm>
+            <a:off x="1089269" y="2840745"/>
+            <a:ext cx="104932" cy="146596"/>
+          </a:xfrm>
+          <a:prstGeom prst="ellipse">
+            <a:avLst/>
+          </a:prstGeom>
+          <a:solidFill>
+            <a:srgbClr val="FF0000"/>
+          </a:solidFill>
+        </p:spPr>
+        <p:style>
+          <a:lnRef idx="2">
+            <a:schemeClr val="accent1">
+              <a:shade val="15000"/>
+            </a:schemeClr>
+          </a:lnRef>
+          <a:fillRef idx="1">
+            <a:schemeClr val="accent1"/>
+          </a:fillRef>
+          <a:effectRef idx="0">
+            <a:schemeClr val="accent1"/>
+          </a:effectRef>
+          <a:fontRef idx="minor">
+            <a:schemeClr val="lt1"/>
+          </a:fontRef>
+        </p:style>
+        <p:txBody>
+          <a:bodyPr rtlCol="0" anchor="ctr"/>
+          <a:lstStyle/>
+          <a:p>
+            <a:pPr algn="ctr"/>
+            <a:endParaRPr lang="en-US"/>
           </a:p>
         </p:txBody>
       </p:sp>
@@ -22271,40 +19264,6 @@
       </p:grpSpPr>
       <p:sp>
         <p:nvSpPr>
-          <p:cNvPr id="2" name="Text 0"/>
-          <p:cNvSpPr/>
-          <p:nvPr/>
-        </p:nvSpPr>
-        <p:spPr>
-          <a:xfrm>
-            <a:off x="7334250" y="762000"/>
-            <a:ext cx="1428750" cy="1428750"/>
-          </a:xfrm>
-          <a:prstGeom prst="roundRect">
-            <a:avLst>
-              <a:gd name="adj" fmla="val 64000"/>
-            </a:avLst>
-          </a:prstGeom>
-          <a:noFill/>
-          <a:ln w="19050">
-            <a:solidFill>
-              <a:srgbClr val="00C9B7"/>
-            </a:solidFill>
-          </a:ln>
-        </p:spPr>
-        <p:txBody>
-          <a:bodyPr wrap="square" rtlCol="0" anchor="ctr"/>
-          <a:lstStyle/>
-          <a:p>
-            <a:pPr marL="0" indent="0">
-              <a:buNone/>
-            </a:pPr>
-            <a:endParaRPr lang="en-US" dirty="0"/>
-          </a:p>
-        </p:txBody>
-      </p:sp>
-      <p:sp>
-        <p:nvSpPr>
           <p:cNvPr id="3" name="Text 1"/>
           <p:cNvSpPr/>
           <p:nvPr/>
@@ -23250,34 +20209,6 @@
               <a:t> 4 hidden layers, 64 neurons each</a:t>
             </a:r>
             <a:endParaRPr lang="en-US" sz="825" dirty="0"/>
-          </a:p>
-        </p:txBody>
-      </p:sp>
-      <p:sp>
-        <p:nvSpPr>
-          <p:cNvPr id="28" name="Footer Placeholder 27">
-            <a:extLst>
-              <a:ext uri="{FF2B5EF4-FFF2-40B4-BE49-F238E27FC236}">
-                <a16:creationId xmlns:a16="http://schemas.microsoft.com/office/drawing/2014/main" id="{48D74185-A3B2-9089-3565-A5502870CE98}"/>
-              </a:ext>
-            </a:extLst>
-          </p:cNvPr>
-          <p:cNvSpPr>
-            <a:spLocks noGrp="1"/>
-          </p:cNvSpPr>
-          <p:nvPr>
-            <p:ph type="ftr" sz="quarter" idx="11"/>
-          </p:nvPr>
-        </p:nvSpPr>
-        <p:spPr/>
-        <p:txBody>
-          <a:bodyPr/>
-          <a:lstStyle/>
-          <a:p>
-            <a:r>
-              <a:rPr lang="en-US"/>
-              <a:t>(J. Paul Liu, 2026. Generative AI For Science. Leanpub)</a:t>
-            </a:r>
           </a:p>
         </p:txBody>
       </p:sp>
@@ -24500,34 +21431,6 @@
           </a:p>
         </p:txBody>
       </p:sp>
-      <p:sp>
-        <p:nvSpPr>
-          <p:cNvPr id="38" name="Footer Placeholder 37">
-            <a:extLst>
-              <a:ext uri="{FF2B5EF4-FFF2-40B4-BE49-F238E27FC236}">
-                <a16:creationId xmlns:a16="http://schemas.microsoft.com/office/drawing/2014/main" id="{05D38C5C-765F-7725-FA7D-0A2A6B6E650A}"/>
-              </a:ext>
-            </a:extLst>
-          </p:cNvPr>
-          <p:cNvSpPr>
-            <a:spLocks noGrp="1"/>
-          </p:cNvSpPr>
-          <p:nvPr>
-            <p:ph type="ftr" sz="quarter" idx="11"/>
-          </p:nvPr>
-        </p:nvSpPr>
-        <p:spPr/>
-        <p:txBody>
-          <a:bodyPr/>
-          <a:lstStyle/>
-          <a:p>
-            <a:r>
-              <a:rPr lang="en-US"/>
-              <a:t>(J. Paul Liu, 2026. Generative AI For Science. Leanpub)</a:t>
-            </a:r>
-          </a:p>
-        </p:txBody>
-      </p:sp>
     </p:spTree>
   </p:cSld>
   <p:clrMapOvr>
@@ -24537,7 +21440,7 @@
 </file>
 
 <file path=ppt/theme/theme1.xml><?xml version="1.0" encoding="utf-8"?>
-<a:theme xmlns:a="http://schemas.openxmlformats.org/drawingml/2006/main" name="Custom Design">
+<a:theme xmlns:a="http://schemas.openxmlformats.org/drawingml/2006/main" name="Office Theme">
   <a:themeElements>
     <a:clrScheme name="Office">
       <a:dk1>
@@ -24547,39 +21450,39 @@
         <a:sysClr val="window" lastClr="FFFFFF"/>
       </a:lt1>
       <a:dk2>
-        <a:srgbClr val="0E2841"/>
+        <a:srgbClr val="44546A"/>
       </a:dk2>
       <a:lt2>
-        <a:srgbClr val="E8E8E8"/>
+        <a:srgbClr val="E7E6E6"/>
       </a:lt2>
       <a:accent1>
-        <a:srgbClr val="156082"/>
+        <a:srgbClr val="4472C4"/>
       </a:accent1>
       <a:accent2>
-        <a:srgbClr val="E97132"/>
+        <a:srgbClr val="ED7D31"/>
       </a:accent2>
       <a:accent3>
-        <a:srgbClr val="196B24"/>
+        <a:srgbClr val="A5A5A5"/>
       </a:accent3>
       <a:accent4>
-        <a:srgbClr val="0F9ED5"/>
+        <a:srgbClr val="FFC000"/>
       </a:accent4>
       <a:accent5>
-        <a:srgbClr val="A02B93"/>
+        <a:srgbClr val="5B9BD5"/>
       </a:accent5>
       <a:accent6>
-        <a:srgbClr val="4EA72E"/>
+        <a:srgbClr val="70AD47"/>
       </a:accent6>
       <a:hlink>
-        <a:srgbClr val="467886"/>
+        <a:srgbClr val="0563C1"/>
       </a:hlink>
       <a:folHlink>
-        <a:srgbClr val="96607D"/>
+        <a:srgbClr val="954F72"/>
       </a:folHlink>
     </a:clrScheme>
     <a:fontScheme name="Office">
       <a:majorFont>
-        <a:latin typeface="Aptos Display" panose="02110004020202020204"/>
+        <a:latin typeface="Calibri Light" panose="020F0302020204030204"/>
         <a:ea typeface=""/>
         <a:cs typeface=""/>
         <a:font script="Jpan" typeface="游ゴシック Light"/>
@@ -24631,7 +21534,7 @@
         <a:font script="Tfng" typeface="Ebrima"/>
       </a:majorFont>
       <a:minorFont>
-        <a:latin typeface="Aptos" panose="02110004020202020204"/>
+        <a:latin typeface="Calibri" panose="020F0502020204030204"/>
         <a:ea typeface=""/>
         <a:cs typeface=""/>
         <a:font script="Jpan" typeface="游ゴシック"/>
@@ -24742,6 +21645,13 @@
         </a:gradFill>
       </a:fillStyleLst>
       <a:lnStyleLst>
+        <a:ln w="6350" cap="flat" cmpd="sng" algn="ctr">
+          <a:solidFill>
+            <a:schemeClr val="phClr"/>
+          </a:solidFill>
+          <a:prstDash val="solid"/>
+          <a:miter lim="800000"/>
+        </a:ln>
         <a:ln w="12700" cap="flat" cmpd="sng" algn="ctr">
           <a:solidFill>
             <a:schemeClr val="phClr"/>
@@ -24750,13 +21660,6 @@
           <a:miter lim="800000"/>
         </a:ln>
         <a:ln w="19050" cap="flat" cmpd="sng" algn="ctr">
-          <a:solidFill>
-            <a:schemeClr val="phClr"/>
-          </a:solidFill>
-          <a:prstDash val="solid"/>
-          <a:miter lim="800000"/>
-        </a:ln>
-        <a:ln w="25400" cap="flat" cmpd="sng" algn="ctr">
           <a:solidFill>
             <a:schemeClr val="phClr"/>
           </a:solidFill>
@@ -24821,31 +21724,11 @@
       </a:bgFillStyleLst>
     </a:fmtScheme>
   </a:themeElements>
-  <a:objectDefaults>
-    <a:lnDef>
-      <a:spPr/>
-      <a:bodyPr/>
-      <a:lstStyle/>
-      <a:style>
-        <a:lnRef idx="2">
-          <a:schemeClr val="accent1"/>
-        </a:lnRef>
-        <a:fillRef idx="0">
-          <a:schemeClr val="accent1"/>
-        </a:fillRef>
-        <a:effectRef idx="1">
-          <a:schemeClr val="accent1"/>
-        </a:effectRef>
-        <a:fontRef idx="minor">
-          <a:schemeClr val="tx1"/>
-        </a:fontRef>
-      </a:style>
-    </a:lnDef>
-  </a:objectDefaults>
+  <a:objectDefaults/>
   <a:extraClrSchemeLst/>
   <a:extLst>
     <a:ext uri="{05A4C25C-085E-4340-85A3-A5531E510DB2}">
-      <thm15:themeFamily xmlns:thm15="http://schemas.microsoft.com/office/thememl/2012/main" name="Office Theme" id="{2E142A2C-CD16-42D6-873A-C26D2A0506FA}" vid="{1BDDFF52-6CD6-40A5-AB3C-68EB2F1E4D0A}"/>
+      <thm15:themeFamily xmlns:thm15="http://schemas.microsoft.com/office/thememl/2012/main" name="Office Theme" id="{62F939B6-93AF-4DB8-9C6B-D6C7DFDC589F}" vid="{4A3C46E8-61CC-4603-A589-7422A47A8E4A}"/>
     </a:ext>
   </a:extLst>
 </a:theme>
